--- a/Documents/Investors/NWEN-FirstLook-2013-03.pptx
+++ b/Documents/Investors/NWEN-FirstLook-2013-03.pptx
@@ -5,20 +5,19 @@
     <p:sldMasterId id="2147483881" r:id="rId1"/>
   </p:sldMasterIdLst>
   <p:notesMasterIdLst>
-    <p:notesMasterId r:id="rId13"/>
+    <p:notesMasterId r:id="rId12"/>
   </p:notesMasterIdLst>
   <p:sldIdLst>
     <p:sldId id="256" r:id="rId2"/>
     <p:sldId id="257" r:id="rId3"/>
-    <p:sldId id="258" r:id="rId4"/>
-    <p:sldId id="259" r:id="rId5"/>
-    <p:sldId id="260" r:id="rId6"/>
-    <p:sldId id="261" r:id="rId7"/>
-    <p:sldId id="262" r:id="rId8"/>
-    <p:sldId id="263" r:id="rId9"/>
-    <p:sldId id="264" r:id="rId10"/>
-    <p:sldId id="265" r:id="rId11"/>
-    <p:sldId id="266" r:id="rId12"/>
+    <p:sldId id="267" r:id="rId4"/>
+    <p:sldId id="268" r:id="rId5"/>
+    <p:sldId id="269" r:id="rId6"/>
+    <p:sldId id="270" r:id="rId7"/>
+    <p:sldId id="271" r:id="rId8"/>
+    <p:sldId id="272" r:id="rId9"/>
+    <p:sldId id="273" r:id="rId10"/>
+    <p:sldId id="274" r:id="rId11"/>
   </p:sldIdLst>
   <p:sldSz cx="12192000" cy="6858000"/>
   <p:notesSz cx="6858000" cy="9144000"/>
@@ -117,6 +116,11 @@
       </a:defRPr>
     </a:lvl9pPr>
   </p:defaultTextStyle>
+  <p:extLst>
+    <p:ext uri="{EFAFB233-063F-42B5-8137-9DF3F51BA10A}">
+      <p15:sldGuideLst xmlns:p15="http://schemas.microsoft.com/office/powerpoint/2012/main"/>
+    </p:ext>
+  </p:extLst>
 </p:presentation>
 </file>
 
@@ -214,7 +218,7 @@
           <a:p>
             <a:fld id="{806E9DFF-18E5-45FD-B5B6-5DD2C9E7677C}" type="datetimeFigureOut">
               <a:rPr lang="en-US" smtClean="0"/>
-              <a:t>3/4/2013</a:t>
+              <a:t>3/12/2013</a:t>
             </a:fld>
             <a:endParaRPr lang="en-US"/>
           </a:p>
@@ -526,13 +530,61 @@
           <a:bodyPr/>
           <a:lstStyle/>
           <a:p>
-            <a:r>
-              <a:rPr lang="en-US" dirty="0" smtClean="0"/>
-              <a:t>Problem</a:t>
-            </a:r>
-          </a:p>
-          <a:p>
-            <a:endParaRPr lang="en-US" dirty="0"/>
+            <a:pPr marL="171450" indent="-171450">
+              <a:buFontTx/>
+              <a:buChar char="-"/>
+            </a:pPr>
+            <a:r>
+              <a:rPr lang="en-US" baseline="0" dirty="0" smtClean="0"/>
+              <a:t>App Stores: discoverability is minimal</a:t>
+            </a:r>
+          </a:p>
+          <a:p>
+            <a:pPr marL="171450" indent="-171450">
+              <a:buFontTx/>
+              <a:buChar char="-"/>
+            </a:pPr>
+            <a:r>
+              <a:rPr lang="en-US" baseline="0" dirty="0" err="1" smtClean="0"/>
+              <a:t>AppGratis</a:t>
+            </a:r>
+            <a:endParaRPr lang="en-US" baseline="0" dirty="0" smtClean="0"/>
+          </a:p>
+          <a:p>
+            <a:pPr marL="171450" indent="-171450">
+              <a:buFontTx/>
+              <a:buChar char="-"/>
+            </a:pPr>
+            <a:r>
+              <a:rPr lang="en-US" baseline="0" dirty="0" err="1" smtClean="0"/>
+              <a:t>TradeMob</a:t>
+            </a:r>
+            <a:r>
+              <a:rPr lang="en-US" baseline="0" dirty="0" smtClean="0"/>
+              <a:t> and </a:t>
+            </a:r>
+            <a:r>
+              <a:rPr lang="en-US" baseline="0" dirty="0" err="1" smtClean="0"/>
+              <a:t>Fiksu</a:t>
+            </a:r>
+            <a:endParaRPr lang="en-US" baseline="0" dirty="0" smtClean="0"/>
+          </a:p>
+          <a:p>
+            <a:pPr marL="171450" indent="-171450">
+              <a:buFontTx/>
+              <a:buChar char="-"/>
+            </a:pPr>
+            <a:r>
+              <a:rPr lang="en-US" baseline="0" dirty="0" smtClean="0"/>
+              <a:t>Facebook / Google Advertising</a:t>
+            </a:r>
+          </a:p>
+          <a:p>
+            <a:pPr marL="171450" indent="-171450">
+              <a:buFontTx/>
+              <a:buChar char="-"/>
+            </a:pPr>
+            <a:endParaRPr lang="en-US" baseline="0" dirty="0" smtClean="0"/>
           </a:p>
         </p:txBody>
       </p:sp>
@@ -616,9 +668,27 @@
           <a:bodyPr/>
           <a:lstStyle/>
           <a:p>
+            <a:pPr marL="171450" indent="-171450">
+              <a:buFontTx/>
+              <a:buChar char="-"/>
+            </a:pPr>
             <a:r>
               <a:rPr lang="en-US" dirty="0" smtClean="0"/>
-              <a:t>Solution</a:t>
+              <a:t>No coding required: signup and </a:t>
+            </a:r>
+          </a:p>
+          <a:p>
+            <a:pPr marL="171450" indent="-171450">
+              <a:buFontTx/>
+              <a:buChar char="-"/>
+            </a:pPr>
+            <a:r>
+              <a:rPr lang="en-US" dirty="0" smtClean="0"/>
+              <a:t>Facebook ads cost &gt; $1</a:t>
+            </a:r>
+            <a:r>
+              <a:rPr lang="en-US" baseline="0" dirty="0" smtClean="0"/>
+              <a:t> / click. </a:t>
             </a:r>
             <a:endParaRPr lang="en-US" dirty="0"/>
           </a:p>
@@ -650,7 +720,7 @@
     </p:spTree>
     <p:extLst>
       <p:ext uri="{BB962C8B-B14F-4D97-AF65-F5344CB8AC3E}">
-        <p14:creationId xmlns:p14="http://schemas.microsoft.com/office/powerpoint/2010/main" val="99083495"/>
+        <p14:creationId xmlns:p14="http://schemas.microsoft.com/office/powerpoint/2010/main" val="1194852826"/>
       </p:ext>
     </p:extLst>
   </p:cSld>
@@ -704,10 +774,70 @@
           <a:bodyPr/>
           <a:lstStyle/>
           <a:p>
-            <a:r>
-              <a:rPr lang="en-US" dirty="0" smtClean="0"/>
-              <a:t>Business Model</a:t>
-            </a:r>
+            <a:pPr marL="914400" lvl="1" indent="-457200">
+              <a:buSzPct val="80000"/>
+              <a:buFontTx/>
+              <a:buChar char="-"/>
+            </a:pPr>
+            <a:r>
+              <a:rPr lang="en-US" sz="3200" kern="1200" dirty="0" smtClean="0">
+                <a:solidFill>
+                  <a:schemeClr val="tx1"/>
+                </a:solidFill>
+                <a:latin typeface="+mn-lt"/>
+                <a:ea typeface="+mn-ea"/>
+                <a:cs typeface="+mn-cs"/>
+              </a:rPr>
+              <a:t>In other platforms, every app has to optimize for itself</a:t>
+            </a:r>
+          </a:p>
+          <a:p>
+            <a:pPr marL="914400" lvl="1" indent="-457200">
+              <a:buSzPct val="80000"/>
+              <a:buFontTx/>
+              <a:buChar char="-"/>
+            </a:pPr>
+            <a:r>
+              <a:rPr lang="en-US" sz="3200" kern="1200" dirty="0" smtClean="0">
+                <a:solidFill>
+                  <a:schemeClr val="tx1"/>
+                </a:solidFill>
+                <a:latin typeface="+mn-lt"/>
+                <a:ea typeface="+mn-ea"/>
+                <a:cs typeface="+mn-cs"/>
+              </a:rPr>
+              <a:t>Stays up to date with Facebook developer changes (they happen monthly)</a:t>
+            </a:r>
+          </a:p>
+          <a:p>
+            <a:pPr marL="914400" lvl="1" indent="-457200">
+              <a:buSzPct val="80000"/>
+              <a:buFontTx/>
+              <a:buChar char="-"/>
+            </a:pPr>
+            <a:endParaRPr lang="en-US" sz="3200" kern="1200" dirty="0" smtClean="0">
+              <a:solidFill>
+                <a:schemeClr val="tx1"/>
+              </a:solidFill>
+              <a:latin typeface="+mn-lt"/>
+              <a:ea typeface="+mn-ea"/>
+              <a:cs typeface="+mn-cs"/>
+            </a:endParaRPr>
+          </a:p>
+          <a:p>
+            <a:pPr lvl="1">
+              <a:buSzPct val="80000"/>
+              <a:buFont typeface="Wingdings" panose="05000000000000000000" pitchFamily="2" charset="2"/>
+              <a:buNone/>
+            </a:pPr>
+            <a:endParaRPr lang="en-US" sz="3200" kern="1200" dirty="0" smtClean="0">
+              <a:solidFill>
+                <a:schemeClr val="tx1"/>
+              </a:solidFill>
+              <a:latin typeface="+mn-lt"/>
+              <a:ea typeface="+mn-ea"/>
+              <a:cs typeface="+mn-cs"/>
+            </a:endParaRPr>
           </a:p>
           <a:p>
             <a:endParaRPr lang="en-US" dirty="0"/>
@@ -740,7 +870,511 @@
     </p:spTree>
     <p:extLst>
       <p:ext uri="{BB962C8B-B14F-4D97-AF65-F5344CB8AC3E}">
-        <p14:creationId xmlns:p14="http://schemas.microsoft.com/office/powerpoint/2010/main" val="40132680"/>
+        <p14:creationId xmlns:p14="http://schemas.microsoft.com/office/powerpoint/2010/main" val="330673939"/>
+      </p:ext>
+    </p:extLst>
+  </p:cSld>
+  <p:clrMapOvr>
+    <a:masterClrMapping/>
+  </p:clrMapOvr>
+</p:notes>
+</file>
+
+<file path=ppt/notesSlides/notesSlide4.xml><?xml version="1.0" encoding="utf-8"?>
+<p:notes xmlns:a="http://schemas.openxmlformats.org/drawingml/2006/main" xmlns:r="http://schemas.openxmlformats.org/officeDocument/2006/relationships" xmlns:p="http://schemas.openxmlformats.org/presentationml/2006/main">
+  <p:cSld>
+    <p:spTree>
+      <p:nvGrpSpPr>
+        <p:cNvPr id="1" name=""/>
+        <p:cNvGrpSpPr/>
+        <p:nvPr/>
+      </p:nvGrpSpPr>
+      <p:grpSpPr>
+        <a:xfrm>
+          <a:off x="0" y="0"/>
+          <a:ext cx="0" cy="0"/>
+          <a:chOff x="0" y="0"/>
+          <a:chExt cx="0" cy="0"/>
+        </a:xfrm>
+      </p:grpSpPr>
+      <p:sp>
+        <p:nvSpPr>
+          <p:cNvPr id="2" name="Slide Image Placeholder 1"/>
+          <p:cNvSpPr>
+            <a:spLocks noGrp="1" noRot="1" noChangeAspect="1"/>
+          </p:cNvSpPr>
+          <p:nvPr>
+            <p:ph type="sldImg"/>
+          </p:nvPr>
+        </p:nvSpPr>
+        <p:spPr/>
+      </p:sp>
+      <p:sp>
+        <p:nvSpPr>
+          <p:cNvPr id="3" name="Notes Placeholder 2"/>
+          <p:cNvSpPr>
+            <a:spLocks noGrp="1"/>
+          </p:cNvSpPr>
+          <p:nvPr>
+            <p:ph type="body" idx="1"/>
+          </p:nvPr>
+        </p:nvSpPr>
+        <p:spPr/>
+        <p:txBody>
+          <a:bodyPr/>
+          <a:lstStyle/>
+          <a:p>
+            <a:endParaRPr lang="en-US" dirty="0"/>
+          </a:p>
+        </p:txBody>
+      </p:sp>
+      <p:sp>
+        <p:nvSpPr>
+          <p:cNvPr id="4" name="Slide Number Placeholder 3"/>
+          <p:cNvSpPr>
+            <a:spLocks noGrp="1"/>
+          </p:cNvSpPr>
+          <p:nvPr>
+            <p:ph type="sldNum" sz="quarter" idx="10"/>
+          </p:nvPr>
+        </p:nvSpPr>
+        <p:spPr/>
+        <p:txBody>
+          <a:bodyPr/>
+          <a:lstStyle/>
+          <a:p>
+            <a:fld id="{0ADF2143-8F0B-4865-93D8-BB089ACAEA6D}" type="slidenum">
+              <a:rPr lang="en-US" smtClean="0"/>
+              <a:t>5</a:t>
+            </a:fld>
+            <a:endParaRPr lang="en-US"/>
+          </a:p>
+        </p:txBody>
+      </p:sp>
+    </p:spTree>
+    <p:extLst>
+      <p:ext uri="{BB962C8B-B14F-4D97-AF65-F5344CB8AC3E}">
+        <p14:creationId xmlns:p14="http://schemas.microsoft.com/office/powerpoint/2010/main" val="1781894965"/>
+      </p:ext>
+    </p:extLst>
+  </p:cSld>
+  <p:clrMapOvr>
+    <a:masterClrMapping/>
+  </p:clrMapOvr>
+</p:notes>
+</file>
+
+<file path=ppt/notesSlides/notesSlide5.xml><?xml version="1.0" encoding="utf-8"?>
+<p:notes xmlns:a="http://schemas.openxmlformats.org/drawingml/2006/main" xmlns:r="http://schemas.openxmlformats.org/officeDocument/2006/relationships" xmlns:p="http://schemas.openxmlformats.org/presentationml/2006/main">
+  <p:cSld>
+    <p:spTree>
+      <p:nvGrpSpPr>
+        <p:cNvPr id="1" name=""/>
+        <p:cNvGrpSpPr/>
+        <p:nvPr/>
+      </p:nvGrpSpPr>
+      <p:grpSpPr>
+        <a:xfrm>
+          <a:off x="0" y="0"/>
+          <a:ext cx="0" cy="0"/>
+          <a:chOff x="0" y="0"/>
+          <a:chExt cx="0" cy="0"/>
+        </a:xfrm>
+      </p:grpSpPr>
+      <p:sp>
+        <p:nvSpPr>
+          <p:cNvPr id="2" name="Slide Image Placeholder 1"/>
+          <p:cNvSpPr>
+            <a:spLocks noGrp="1" noRot="1" noChangeAspect="1"/>
+          </p:cNvSpPr>
+          <p:nvPr>
+            <p:ph type="sldImg"/>
+          </p:nvPr>
+        </p:nvSpPr>
+        <p:spPr/>
+      </p:sp>
+      <p:sp>
+        <p:nvSpPr>
+          <p:cNvPr id="3" name="Notes Placeholder 2"/>
+          <p:cNvSpPr>
+            <a:spLocks noGrp="1"/>
+          </p:cNvSpPr>
+          <p:nvPr>
+            <p:ph type="body" idx="1"/>
+          </p:nvPr>
+        </p:nvSpPr>
+        <p:spPr/>
+        <p:txBody>
+          <a:bodyPr/>
+          <a:lstStyle/>
+          <a:p>
+            <a:endParaRPr lang="en-US" dirty="0"/>
+          </a:p>
+        </p:txBody>
+      </p:sp>
+      <p:sp>
+        <p:nvSpPr>
+          <p:cNvPr id="4" name="Slide Number Placeholder 3"/>
+          <p:cNvSpPr>
+            <a:spLocks noGrp="1"/>
+          </p:cNvSpPr>
+          <p:nvPr>
+            <p:ph type="sldNum" sz="quarter" idx="10"/>
+          </p:nvPr>
+        </p:nvSpPr>
+        <p:spPr/>
+        <p:txBody>
+          <a:bodyPr/>
+          <a:lstStyle/>
+          <a:p>
+            <a:fld id="{0ADF2143-8F0B-4865-93D8-BB089ACAEA6D}" type="slidenum">
+              <a:rPr lang="en-US" smtClean="0"/>
+              <a:t>6</a:t>
+            </a:fld>
+            <a:endParaRPr lang="en-US"/>
+          </a:p>
+        </p:txBody>
+      </p:sp>
+    </p:spTree>
+    <p:extLst>
+      <p:ext uri="{BB962C8B-B14F-4D97-AF65-F5344CB8AC3E}">
+        <p14:creationId xmlns:p14="http://schemas.microsoft.com/office/powerpoint/2010/main" val="2970273304"/>
+      </p:ext>
+    </p:extLst>
+  </p:cSld>
+  <p:clrMapOvr>
+    <a:masterClrMapping/>
+  </p:clrMapOvr>
+</p:notes>
+</file>
+
+<file path=ppt/notesSlides/notesSlide6.xml><?xml version="1.0" encoding="utf-8"?>
+<p:notes xmlns:a="http://schemas.openxmlformats.org/drawingml/2006/main" xmlns:r="http://schemas.openxmlformats.org/officeDocument/2006/relationships" xmlns:p="http://schemas.openxmlformats.org/presentationml/2006/main">
+  <p:cSld>
+    <p:spTree>
+      <p:nvGrpSpPr>
+        <p:cNvPr id="1" name=""/>
+        <p:cNvGrpSpPr/>
+        <p:nvPr/>
+      </p:nvGrpSpPr>
+      <p:grpSpPr>
+        <a:xfrm>
+          <a:off x="0" y="0"/>
+          <a:ext cx="0" cy="0"/>
+          <a:chOff x="0" y="0"/>
+          <a:chExt cx="0" cy="0"/>
+        </a:xfrm>
+      </p:grpSpPr>
+      <p:sp>
+        <p:nvSpPr>
+          <p:cNvPr id="2" name="Slide Image Placeholder 1"/>
+          <p:cNvSpPr>
+            <a:spLocks noGrp="1" noRot="1" noChangeAspect="1"/>
+          </p:cNvSpPr>
+          <p:nvPr>
+            <p:ph type="sldImg"/>
+          </p:nvPr>
+        </p:nvSpPr>
+        <p:spPr/>
+      </p:sp>
+      <p:sp>
+        <p:nvSpPr>
+          <p:cNvPr id="3" name="Notes Placeholder 2"/>
+          <p:cNvSpPr>
+            <a:spLocks noGrp="1"/>
+          </p:cNvSpPr>
+          <p:nvPr>
+            <p:ph type="body" idx="1"/>
+          </p:nvPr>
+        </p:nvSpPr>
+        <p:spPr/>
+        <p:txBody>
+          <a:bodyPr/>
+          <a:lstStyle/>
+          <a:p>
+            <a:endParaRPr lang="en-US" dirty="0"/>
+          </a:p>
+        </p:txBody>
+      </p:sp>
+      <p:sp>
+        <p:nvSpPr>
+          <p:cNvPr id="4" name="Slide Number Placeholder 3"/>
+          <p:cNvSpPr>
+            <a:spLocks noGrp="1"/>
+          </p:cNvSpPr>
+          <p:nvPr>
+            <p:ph type="sldNum" sz="quarter" idx="10"/>
+          </p:nvPr>
+        </p:nvSpPr>
+        <p:spPr/>
+        <p:txBody>
+          <a:bodyPr/>
+          <a:lstStyle/>
+          <a:p>
+            <a:fld id="{0ADF2143-8F0B-4865-93D8-BB089ACAEA6D}" type="slidenum">
+              <a:rPr lang="en-US" smtClean="0"/>
+              <a:t>7</a:t>
+            </a:fld>
+            <a:endParaRPr lang="en-US"/>
+          </a:p>
+        </p:txBody>
+      </p:sp>
+    </p:spTree>
+    <p:extLst>
+      <p:ext uri="{BB962C8B-B14F-4D97-AF65-F5344CB8AC3E}">
+        <p14:creationId xmlns:p14="http://schemas.microsoft.com/office/powerpoint/2010/main" val="889771966"/>
+      </p:ext>
+    </p:extLst>
+  </p:cSld>
+  <p:clrMapOvr>
+    <a:masterClrMapping/>
+  </p:clrMapOvr>
+</p:notes>
+</file>
+
+<file path=ppt/notesSlides/notesSlide7.xml><?xml version="1.0" encoding="utf-8"?>
+<p:notes xmlns:a="http://schemas.openxmlformats.org/drawingml/2006/main" xmlns:r="http://schemas.openxmlformats.org/officeDocument/2006/relationships" xmlns:p="http://schemas.openxmlformats.org/presentationml/2006/main">
+  <p:cSld>
+    <p:spTree>
+      <p:nvGrpSpPr>
+        <p:cNvPr id="1" name=""/>
+        <p:cNvGrpSpPr/>
+        <p:nvPr/>
+      </p:nvGrpSpPr>
+      <p:grpSpPr>
+        <a:xfrm>
+          <a:off x="0" y="0"/>
+          <a:ext cx="0" cy="0"/>
+          <a:chOff x="0" y="0"/>
+          <a:chExt cx="0" cy="0"/>
+        </a:xfrm>
+      </p:grpSpPr>
+      <p:sp>
+        <p:nvSpPr>
+          <p:cNvPr id="2" name="Slide Image Placeholder 1"/>
+          <p:cNvSpPr>
+            <a:spLocks noGrp="1" noRot="1" noChangeAspect="1"/>
+          </p:cNvSpPr>
+          <p:nvPr>
+            <p:ph type="sldImg"/>
+          </p:nvPr>
+        </p:nvSpPr>
+        <p:spPr/>
+      </p:sp>
+      <p:sp>
+        <p:nvSpPr>
+          <p:cNvPr id="3" name="Notes Placeholder 2"/>
+          <p:cNvSpPr>
+            <a:spLocks noGrp="1"/>
+          </p:cNvSpPr>
+          <p:nvPr>
+            <p:ph type="body" idx="1"/>
+          </p:nvPr>
+        </p:nvSpPr>
+        <p:spPr/>
+        <p:txBody>
+          <a:bodyPr/>
+          <a:lstStyle/>
+          <a:p>
+            <a:endParaRPr lang="en-US" dirty="0"/>
+          </a:p>
+        </p:txBody>
+      </p:sp>
+      <p:sp>
+        <p:nvSpPr>
+          <p:cNvPr id="4" name="Slide Number Placeholder 3"/>
+          <p:cNvSpPr>
+            <a:spLocks noGrp="1"/>
+          </p:cNvSpPr>
+          <p:nvPr>
+            <p:ph type="sldNum" sz="quarter" idx="10"/>
+          </p:nvPr>
+        </p:nvSpPr>
+        <p:spPr/>
+        <p:txBody>
+          <a:bodyPr/>
+          <a:lstStyle/>
+          <a:p>
+            <a:fld id="{0ADF2143-8F0B-4865-93D8-BB089ACAEA6D}" type="slidenum">
+              <a:rPr lang="en-US" smtClean="0"/>
+              <a:t>8</a:t>
+            </a:fld>
+            <a:endParaRPr lang="en-US"/>
+          </a:p>
+        </p:txBody>
+      </p:sp>
+    </p:spTree>
+    <p:extLst>
+      <p:ext uri="{BB962C8B-B14F-4D97-AF65-F5344CB8AC3E}">
+        <p14:creationId xmlns:p14="http://schemas.microsoft.com/office/powerpoint/2010/main" val="3265700115"/>
+      </p:ext>
+    </p:extLst>
+  </p:cSld>
+  <p:clrMapOvr>
+    <a:masterClrMapping/>
+  </p:clrMapOvr>
+</p:notes>
+</file>
+
+<file path=ppt/notesSlides/notesSlide8.xml><?xml version="1.0" encoding="utf-8"?>
+<p:notes xmlns:a="http://schemas.openxmlformats.org/drawingml/2006/main" xmlns:r="http://schemas.openxmlformats.org/officeDocument/2006/relationships" xmlns:p="http://schemas.openxmlformats.org/presentationml/2006/main">
+  <p:cSld>
+    <p:spTree>
+      <p:nvGrpSpPr>
+        <p:cNvPr id="1" name=""/>
+        <p:cNvGrpSpPr/>
+        <p:nvPr/>
+      </p:nvGrpSpPr>
+      <p:grpSpPr>
+        <a:xfrm>
+          <a:off x="0" y="0"/>
+          <a:ext cx="0" cy="0"/>
+          <a:chOff x="0" y="0"/>
+          <a:chExt cx="0" cy="0"/>
+        </a:xfrm>
+      </p:grpSpPr>
+      <p:sp>
+        <p:nvSpPr>
+          <p:cNvPr id="2" name="Slide Image Placeholder 1"/>
+          <p:cNvSpPr>
+            <a:spLocks noGrp="1" noRot="1" noChangeAspect="1"/>
+          </p:cNvSpPr>
+          <p:nvPr>
+            <p:ph type="sldImg"/>
+          </p:nvPr>
+        </p:nvSpPr>
+        <p:spPr/>
+      </p:sp>
+      <p:sp>
+        <p:nvSpPr>
+          <p:cNvPr id="3" name="Notes Placeholder 2"/>
+          <p:cNvSpPr>
+            <a:spLocks noGrp="1"/>
+          </p:cNvSpPr>
+          <p:nvPr>
+            <p:ph type="body" idx="1"/>
+          </p:nvPr>
+        </p:nvSpPr>
+        <p:spPr/>
+        <p:txBody>
+          <a:bodyPr/>
+          <a:lstStyle/>
+          <a:p>
+            <a:endParaRPr lang="en-US" dirty="0"/>
+          </a:p>
+        </p:txBody>
+      </p:sp>
+      <p:sp>
+        <p:nvSpPr>
+          <p:cNvPr id="4" name="Slide Number Placeholder 3"/>
+          <p:cNvSpPr>
+            <a:spLocks noGrp="1"/>
+          </p:cNvSpPr>
+          <p:nvPr>
+            <p:ph type="sldNum" sz="quarter" idx="10"/>
+          </p:nvPr>
+        </p:nvSpPr>
+        <p:spPr/>
+        <p:txBody>
+          <a:bodyPr/>
+          <a:lstStyle/>
+          <a:p>
+            <a:fld id="{0ADF2143-8F0B-4865-93D8-BB089ACAEA6D}" type="slidenum">
+              <a:rPr lang="en-US" smtClean="0"/>
+              <a:t>9</a:t>
+            </a:fld>
+            <a:endParaRPr lang="en-US"/>
+          </a:p>
+        </p:txBody>
+      </p:sp>
+    </p:spTree>
+    <p:extLst>
+      <p:ext uri="{BB962C8B-B14F-4D97-AF65-F5344CB8AC3E}">
+        <p14:creationId xmlns:p14="http://schemas.microsoft.com/office/powerpoint/2010/main" val="731504068"/>
+      </p:ext>
+    </p:extLst>
+  </p:cSld>
+  <p:clrMapOvr>
+    <a:masterClrMapping/>
+  </p:clrMapOvr>
+</p:notes>
+</file>
+
+<file path=ppt/notesSlides/notesSlide9.xml><?xml version="1.0" encoding="utf-8"?>
+<p:notes xmlns:a="http://schemas.openxmlformats.org/drawingml/2006/main" xmlns:r="http://schemas.openxmlformats.org/officeDocument/2006/relationships" xmlns:p="http://schemas.openxmlformats.org/presentationml/2006/main">
+  <p:cSld>
+    <p:spTree>
+      <p:nvGrpSpPr>
+        <p:cNvPr id="1" name=""/>
+        <p:cNvGrpSpPr/>
+        <p:nvPr/>
+      </p:nvGrpSpPr>
+      <p:grpSpPr>
+        <a:xfrm>
+          <a:off x="0" y="0"/>
+          <a:ext cx="0" cy="0"/>
+          <a:chOff x="0" y="0"/>
+          <a:chExt cx="0" cy="0"/>
+        </a:xfrm>
+      </p:grpSpPr>
+      <p:sp>
+        <p:nvSpPr>
+          <p:cNvPr id="2" name="Slide Image Placeholder 1"/>
+          <p:cNvSpPr>
+            <a:spLocks noGrp="1" noRot="1" noChangeAspect="1"/>
+          </p:cNvSpPr>
+          <p:nvPr>
+            <p:ph type="sldImg"/>
+          </p:nvPr>
+        </p:nvSpPr>
+        <p:spPr/>
+      </p:sp>
+      <p:sp>
+        <p:nvSpPr>
+          <p:cNvPr id="3" name="Notes Placeholder 2"/>
+          <p:cNvSpPr>
+            <a:spLocks noGrp="1"/>
+          </p:cNvSpPr>
+          <p:nvPr>
+            <p:ph type="body" idx="1"/>
+          </p:nvPr>
+        </p:nvSpPr>
+        <p:spPr/>
+        <p:txBody>
+          <a:bodyPr/>
+          <a:lstStyle/>
+          <a:p>
+            <a:endParaRPr lang="en-US" dirty="0"/>
+          </a:p>
+        </p:txBody>
+      </p:sp>
+      <p:sp>
+        <p:nvSpPr>
+          <p:cNvPr id="4" name="Slide Number Placeholder 3"/>
+          <p:cNvSpPr>
+            <a:spLocks noGrp="1"/>
+          </p:cNvSpPr>
+          <p:nvPr>
+            <p:ph type="sldNum" sz="quarter" idx="10"/>
+          </p:nvPr>
+        </p:nvSpPr>
+        <p:spPr/>
+        <p:txBody>
+          <a:bodyPr/>
+          <a:lstStyle/>
+          <a:p>
+            <a:fld id="{0ADF2143-8F0B-4865-93D8-BB089ACAEA6D}" type="slidenum">
+              <a:rPr lang="en-US" smtClean="0"/>
+              <a:t>10</a:t>
+            </a:fld>
+            <a:endParaRPr lang="en-US"/>
+          </a:p>
+        </p:txBody>
+      </p:sp>
+    </p:spTree>
+    <p:extLst>
+      <p:ext uri="{BB962C8B-B14F-4D97-AF65-F5344CB8AC3E}">
+        <p14:creationId xmlns:p14="http://schemas.microsoft.com/office/powerpoint/2010/main" val="1718533202"/>
       </p:ext>
     </p:extLst>
   </p:cSld>
@@ -882,7 +1516,7 @@
             <a:fld id="{5586B75A-687E-405C-8A0B-8D00578BA2C3}" type="datetimeFigureOut">
               <a:rPr lang="en-US" smtClean="0"/>
               <a:pPr/>
-              <a:t>3/4/2013</a:t>
+              <a:t>3/12/2013</a:t>
             </a:fld>
             <a:endParaRPr lang="en-US" dirty="0"/>
           </a:p>
@@ -1053,7 +1687,7 @@
           <a:p>
             <a:fld id="{5F4E5243-F52A-4D37-9694-EB26C6C31910}" type="datetimeFigureOut">
               <a:rPr lang="en-US" smtClean="0"/>
-              <a:t>3/4/2013</a:t>
+              <a:t>3/12/2013</a:t>
             </a:fld>
             <a:endParaRPr lang="en-US" dirty="0"/>
           </a:p>
@@ -1233,7 +1867,7 @@
           <a:p>
             <a:fld id="{3A77B6E1-634A-48DC-9E8B-D894023267EF}" type="datetimeFigureOut">
               <a:rPr lang="en-US" smtClean="0"/>
-              <a:t>3/4/2013</a:t>
+              <a:t>3/12/2013</a:t>
             </a:fld>
             <a:endParaRPr lang="en-US" dirty="0"/>
           </a:p>
@@ -1403,7 +2037,7 @@
           <a:p>
             <a:fld id="{7B2D3E9E-A95C-48F2-B4BF-A71542E0BE9A}" type="datetimeFigureOut">
               <a:rPr lang="en-US" smtClean="0"/>
-              <a:t>3/4/2013</a:t>
+              <a:t>3/12/2013</a:t>
             </a:fld>
             <a:endParaRPr lang="en-US" dirty="0"/>
           </a:p>
@@ -1650,7 +2284,7 @@
             <a:fld id="{5586B75A-687E-405C-8A0B-8D00578BA2C3}" type="datetimeFigureOut">
               <a:rPr lang="en-US" smtClean="0"/>
               <a:pPr/>
-              <a:t>3/4/2013</a:t>
+              <a:t>3/12/2013</a:t>
             </a:fld>
             <a:endParaRPr lang="en-US" dirty="0"/>
           </a:p>
@@ -1883,7 +2517,7 @@
           <a:p>
             <a:fld id="{F12952B5-7A2F-4CC8-B7CE-9234E21C2837}" type="datetimeFigureOut">
               <a:rPr lang="en-US" smtClean="0"/>
-              <a:t>3/4/2013</a:t>
+              <a:t>3/12/2013</a:t>
             </a:fld>
             <a:endParaRPr lang="en-US" dirty="0"/>
           </a:p>
@@ -2250,7 +2884,7 @@
           <a:p>
             <a:fld id="{CE1DA07A-9201-4B4B-BAF2-015AFA30F520}" type="datetimeFigureOut">
               <a:rPr lang="en-US" smtClean="0"/>
-              <a:t>3/4/2013</a:t>
+              <a:t>3/12/2013</a:t>
             </a:fld>
             <a:endParaRPr lang="en-US" dirty="0"/>
           </a:p>
@@ -2368,7 +3002,7 @@
           <a:p>
             <a:fld id="{73D7E00A-486F-4252-8B1D-E32645521F49}" type="datetimeFigureOut">
               <a:rPr lang="en-US" smtClean="0"/>
-              <a:t>3/4/2013</a:t>
+              <a:t>3/12/2013</a:t>
             </a:fld>
             <a:endParaRPr lang="en-US" dirty="0"/>
           </a:p>
@@ -2463,7 +3097,7 @@
           <a:p>
             <a:fld id="{8DDF5F92-E675-4B36-9A60-69A962A68675}" type="datetimeFigureOut">
               <a:rPr lang="en-US" smtClean="0"/>
-              <a:t>3/4/2013</a:t>
+              <a:t>3/12/2013</a:t>
             </a:fld>
             <a:endParaRPr lang="en-US" dirty="0"/>
           </a:p>
@@ -2740,7 +3374,7 @@
           <a:p>
             <a:fld id="{AF6E2C9B-5FA2-460D-9BE7-B0812FC2A6FF}" type="datetimeFigureOut">
               <a:rPr lang="en-US" smtClean="0"/>
-              <a:t>3/4/2013</a:t>
+              <a:t>3/12/2013</a:t>
             </a:fld>
             <a:endParaRPr lang="en-US" dirty="0"/>
           </a:p>
@@ -2995,7 +3629,7 @@
             <a:fld id="{5586B75A-687E-405C-8A0B-8D00578BA2C3}" type="datetimeFigureOut">
               <a:rPr lang="en-US" smtClean="0"/>
               <a:pPr/>
-              <a:t>3/4/2013</a:t>
+              <a:t>3/12/2013</a:t>
             </a:fld>
             <a:endParaRPr lang="en-US" dirty="0"/>
           </a:p>
@@ -3210,7 +3844,7 @@
             <a:fld id="{5586B75A-687E-405C-8A0B-8D00578BA2C3}" type="datetimeFigureOut">
               <a:rPr lang="en-US" smtClean="0"/>
               <a:pPr/>
-              <a:t>3/4/2013</a:t>
+              <a:t>3/12/2013</a:t>
             </a:fld>
             <a:endParaRPr lang="en-US" dirty="0"/>
           </a:p>
@@ -3627,14 +4261,23 @@
             <p:ph type="ctrTitle"/>
           </p:nvPr>
         </p:nvSpPr>
-        <p:spPr/>
+        <p:spPr>
+          <a:xfrm>
+            <a:off x="4785527" y="2683565"/>
+            <a:ext cx="4181061" cy="965546"/>
+          </a:xfrm>
+        </p:spPr>
         <p:txBody>
           <a:bodyPr/>
           <a:lstStyle/>
           <a:p>
             <a:r>
               <a:rPr lang="en-US" dirty="0" smtClean="0"/>
-              <a:t>Refer Engine</a:t>
+              <a:t>Refer </a:t>
+            </a:r>
+            <a:r>
+              <a:rPr lang="en-US" dirty="0" smtClean="0"/>
+              <a:t>Engine</a:t>
             </a:r>
             <a:endParaRPr lang="en-US" dirty="0"/>
           </a:p>
@@ -3662,7 +4305,7 @@
         </p:blipFill>
         <p:spPr>
           <a:xfrm>
-            <a:off x="5339131" y="3548600"/>
+            <a:off x="3132644" y="2409469"/>
             <a:ext cx="1513737" cy="1513737"/>
           </a:xfrm>
           <a:prstGeom prst="rect">
@@ -3709,29 +4352,6 @@
       </p:grpSpPr>
       <p:sp>
         <p:nvSpPr>
-          <p:cNvPr id="2" name="Title 1"/>
-          <p:cNvSpPr>
-            <a:spLocks noGrp="1"/>
-          </p:cNvSpPr>
-          <p:nvPr>
-            <p:ph type="title"/>
-          </p:nvPr>
-        </p:nvSpPr>
-        <p:spPr/>
-        <p:txBody>
-          <a:bodyPr/>
-          <a:lstStyle/>
-          <a:p>
-            <a:r>
-              <a:rPr lang="en-US" dirty="0" smtClean="0"/>
-              <a:t>Status and Timeline</a:t>
-            </a:r>
-            <a:endParaRPr lang="en-US" dirty="0"/>
-          </a:p>
-        </p:txBody>
-      </p:sp>
-      <p:sp>
-        <p:nvSpPr>
           <p:cNvPr id="3" name="Content Placeholder 2"/>
           <p:cNvSpPr>
             <a:spLocks noGrp="1"/>
@@ -3747,94 +4367,58 @@
           </a:bodyPr>
           <a:lstStyle/>
           <a:p>
-            <a:endParaRPr lang="en-US" sz="3000" dirty="0"/>
+            <a:pPr>
+              <a:buFont typeface="Wingdings" panose="05000000000000000000" pitchFamily="2" charset="2"/>
+              <a:buChar char="§"/>
+            </a:pPr>
+            <a:endParaRPr lang="en-US" sz="3600" dirty="0">
+              <a:latin typeface="+mj-lt"/>
+            </a:endParaRPr>
+          </a:p>
+        </p:txBody>
+      </p:sp>
+      <p:sp>
+        <p:nvSpPr>
+          <p:cNvPr id="4" name="Title 3"/>
+          <p:cNvSpPr>
+            <a:spLocks noGrp="1"/>
+          </p:cNvSpPr>
+          <p:nvPr>
+            <p:ph type="title"/>
+          </p:nvPr>
+        </p:nvSpPr>
+        <p:spPr/>
+        <p:txBody>
+          <a:bodyPr>
+            <a:normAutofit/>
+          </a:bodyPr>
+          <a:lstStyle/>
+          <a:p>
+            <a:r>
+              <a:rPr lang="en-US" sz="4800" dirty="0" smtClean="0"/>
+              <a:t>Projections and Milestones</a:t>
+            </a:r>
+            <a:endParaRPr lang="en-US" sz="4800" dirty="0"/>
           </a:p>
         </p:txBody>
       </p:sp>
     </p:spTree>
     <p:extLst>
       <p:ext uri="{BB962C8B-B14F-4D97-AF65-F5344CB8AC3E}">
-        <p14:creationId xmlns:p14="http://schemas.microsoft.com/office/powerpoint/2010/main" val="541757099"/>
+        <p14:creationId xmlns:p14="http://schemas.microsoft.com/office/powerpoint/2010/main" val="88628733"/>
       </p:ext>
     </p:extLst>
   </p:cSld>
   <p:clrMapOvr>
     <a:masterClrMapping/>
   </p:clrMapOvr>
-</p:sld>
-</file>
-
-<file path=ppt/slides/slide11.xml><?xml version="1.0" encoding="utf-8"?>
-<p:sld xmlns:a="http://schemas.openxmlformats.org/drawingml/2006/main" xmlns:r="http://schemas.openxmlformats.org/officeDocument/2006/relationships" xmlns:p="http://schemas.openxmlformats.org/presentationml/2006/main">
-  <p:cSld>
-    <p:spTree>
-      <p:nvGrpSpPr>
-        <p:cNvPr id="1" name=""/>
-        <p:cNvGrpSpPr/>
-        <p:nvPr/>
-      </p:nvGrpSpPr>
-      <p:grpSpPr>
-        <a:xfrm>
-          <a:off x="0" y="0"/>
-          <a:ext cx="0" cy="0"/>
-          <a:chOff x="0" y="0"/>
-          <a:chExt cx="0" cy="0"/>
-        </a:xfrm>
-      </p:grpSpPr>
-      <p:sp>
-        <p:nvSpPr>
-          <p:cNvPr id="2" name="Title 1"/>
-          <p:cNvSpPr>
-            <a:spLocks noGrp="1"/>
-          </p:cNvSpPr>
-          <p:nvPr>
-            <p:ph type="title"/>
-          </p:nvPr>
-        </p:nvSpPr>
-        <p:spPr/>
-        <p:txBody>
-          <a:bodyPr/>
-          <a:lstStyle/>
-          <a:p>
-            <a:r>
-              <a:rPr lang="en-US" dirty="0" smtClean="0"/>
-              <a:t>Summary</a:t>
-            </a:r>
-            <a:endParaRPr lang="en-US" dirty="0"/>
-          </a:p>
-        </p:txBody>
-      </p:sp>
-      <p:sp>
-        <p:nvSpPr>
-          <p:cNvPr id="3" name="Content Placeholder 2"/>
-          <p:cNvSpPr>
-            <a:spLocks noGrp="1"/>
-          </p:cNvSpPr>
-          <p:nvPr>
-            <p:ph idx="1"/>
-          </p:nvPr>
-        </p:nvSpPr>
-        <p:spPr/>
-        <p:txBody>
-          <a:bodyPr>
-            <a:normAutofit/>
-          </a:bodyPr>
-          <a:lstStyle/>
-          <a:p>
-            <a:endParaRPr lang="en-US" sz="3000" dirty="0"/>
-          </a:p>
-        </p:txBody>
-      </p:sp>
-    </p:spTree>
-    <p:extLst>
-      <p:ext uri="{BB962C8B-B14F-4D97-AF65-F5344CB8AC3E}">
-        <p14:creationId xmlns:p14="http://schemas.microsoft.com/office/powerpoint/2010/main" val="544948065"/>
-      </p:ext>
-    </p:extLst>
-  </p:cSld>
-  <p:clrMapOvr>
-    <a:masterClrMapping/>
-  </p:clrMapOvr>
+  <p:timing>
+    <p:tnLst>
+      <p:par>
+        <p:cTn id="1" dur="indefinite" restart="never" nodeType="tmRoot"/>
+      </p:par>
+    </p:tnLst>
+  </p:timing>
 </p:sld>
 </file>
 
@@ -3872,15 +4456,105 @@
           </a:bodyPr>
           <a:lstStyle/>
           <a:p>
-            <a:r>
-              <a:rPr lang="en-US" sz="3000" dirty="0" smtClean="0"/>
-              <a:t>App Stores are broken: app discoverability is dismal</a:t>
-            </a:r>
-          </a:p>
-          <a:p>
-            <a:r>
-              <a:rPr lang="en-US" sz="3000" dirty="0" smtClean="0"/>
-              <a:t>Existing solutions are expensive and take time to on-board</a:t>
+            <a:pPr>
+              <a:buSzPct val="80000"/>
+              <a:buFont typeface="Wingdings" panose="05000000000000000000" pitchFamily="2" charset="2"/>
+              <a:buChar char="§"/>
+            </a:pPr>
+            <a:r>
+              <a:rPr lang="en-US" sz="3600" dirty="0" smtClean="0">
+                <a:latin typeface="+mj-lt"/>
+              </a:rPr>
+              <a:t> App </a:t>
+            </a:r>
+            <a:r>
+              <a:rPr lang="en-US" sz="3600" dirty="0" smtClean="0">
+                <a:latin typeface="+mj-lt"/>
+              </a:rPr>
+              <a:t>Stores are </a:t>
+            </a:r>
+            <a:r>
+              <a:rPr lang="en-US" sz="3600" dirty="0" smtClean="0">
+                <a:latin typeface="+mj-lt"/>
+              </a:rPr>
+              <a:t>broken</a:t>
+            </a:r>
+          </a:p>
+          <a:p>
+            <a:pPr>
+              <a:buSzPct val="80000"/>
+              <a:buFont typeface="Wingdings" panose="05000000000000000000" pitchFamily="2" charset="2"/>
+              <a:buChar char="§"/>
+            </a:pPr>
+            <a:r>
+              <a:rPr lang="en-US" sz="3600" dirty="0" smtClean="0">
+                <a:latin typeface="+mj-lt"/>
+              </a:rPr>
+              <a:t> Marketing solutions:</a:t>
+            </a:r>
+          </a:p>
+          <a:p>
+            <a:pPr lvl="1">
+              <a:buSzPct val="80000"/>
+              <a:buFont typeface="Wingdings" panose="05000000000000000000" pitchFamily="2" charset="2"/>
+              <a:buChar char="§"/>
+            </a:pPr>
+            <a:r>
+              <a:rPr lang="en-US" sz="3200" dirty="0" smtClean="0">
+                <a:latin typeface="+mj-lt"/>
+              </a:rPr>
+              <a:t> Expensive</a:t>
+            </a:r>
+          </a:p>
+          <a:p>
+            <a:pPr lvl="1">
+              <a:buSzPct val="80000"/>
+              <a:buFont typeface="Wingdings" panose="05000000000000000000" pitchFamily="2" charset="2"/>
+              <a:buChar char="§"/>
+            </a:pPr>
+            <a:r>
+              <a:rPr lang="en-US" sz="3200" dirty="0" smtClean="0">
+                <a:latin typeface="+mj-lt"/>
+              </a:rPr>
+              <a:t> Need skills and optimization campaigns </a:t>
+            </a:r>
+          </a:p>
+          <a:p>
+            <a:pPr lvl="1">
+              <a:buSzPct val="80000"/>
+              <a:buFont typeface="Wingdings" panose="05000000000000000000" pitchFamily="2" charset="2"/>
+              <a:buChar char="§"/>
+            </a:pPr>
+            <a:r>
+              <a:rPr lang="en-US" sz="3200" dirty="0" smtClean="0">
+                <a:latin typeface="+mj-lt"/>
+              </a:rPr>
+              <a:t> Take </a:t>
+            </a:r>
+            <a:r>
+              <a:rPr lang="en-US" sz="3200" dirty="0" smtClean="0">
+                <a:latin typeface="+mj-lt"/>
+              </a:rPr>
+              <a:t>time to </a:t>
+            </a:r>
+            <a:r>
+              <a:rPr lang="en-US" sz="3200" dirty="0" smtClean="0">
+                <a:latin typeface="+mj-lt"/>
+              </a:rPr>
+              <a:t>on-board</a:t>
+            </a:r>
+          </a:p>
+          <a:p>
+            <a:pPr>
+              <a:buSzPct val="80000"/>
+              <a:buFont typeface="Wingdings" panose="05000000000000000000" pitchFamily="2" charset="2"/>
+              <a:buChar char="§"/>
+            </a:pPr>
+            <a:r>
+              <a:rPr lang="en-US" sz="3600" dirty="0" smtClean="0">
+                <a:latin typeface="+mj-lt"/>
+              </a:rPr>
+              <a:t> Small development teams: not enough time/money for marketing</a:t>
             </a:r>
           </a:p>
         </p:txBody>
@@ -3897,14 +4571,16 @@
         </p:nvSpPr>
         <p:spPr/>
         <p:txBody>
-          <a:bodyPr/>
-          <a:lstStyle/>
-          <a:p>
-            <a:r>
-              <a:rPr lang="en-US" dirty="0" smtClean="0"/>
+          <a:bodyPr>
+            <a:normAutofit/>
+          </a:bodyPr>
+          <a:lstStyle/>
+          <a:p>
+            <a:r>
+              <a:rPr lang="en-US" sz="4800" dirty="0" smtClean="0"/>
               <a:t>Marketing Apps is Hard</a:t>
             </a:r>
-            <a:endParaRPr lang="en-US" dirty="0"/>
+            <a:endParaRPr lang="en-US" sz="4800" dirty="0"/>
           </a:p>
         </p:txBody>
       </p:sp>
@@ -3947,29 +4623,6 @@
       </p:grpSpPr>
       <p:sp>
         <p:nvSpPr>
-          <p:cNvPr id="2" name="Title 1"/>
-          <p:cNvSpPr>
-            <a:spLocks noGrp="1"/>
-          </p:cNvSpPr>
-          <p:nvPr>
-            <p:ph type="title"/>
-          </p:nvPr>
-        </p:nvSpPr>
-        <p:spPr/>
-        <p:txBody>
-          <a:bodyPr/>
-          <a:lstStyle/>
-          <a:p>
-            <a:r>
-              <a:rPr lang="en-US" dirty="0" smtClean="0"/>
-              <a:t>Refer Engine</a:t>
-            </a:r>
-            <a:endParaRPr lang="en-US" dirty="0"/>
-          </a:p>
-        </p:txBody>
-      </p:sp>
-      <p:sp>
-        <p:nvSpPr>
           <p:cNvPr id="3" name="Content Placeholder 2"/>
           <p:cNvSpPr>
             <a:spLocks noGrp="1"/>
@@ -3985,20 +4638,139 @@
           </a:bodyPr>
           <a:lstStyle/>
           <a:p>
-            <a:r>
-              <a:rPr lang="en-US" sz="3000" dirty="0" smtClean="0"/>
-              <a:t>Facebook marketing: customer recommendations</a:t>
-            </a:r>
-          </a:p>
-          <a:p>
-            <a:endParaRPr lang="en-US" sz="3000" dirty="0"/>
+            <a:pPr>
+              <a:buSzPct val="80000"/>
+              <a:buFont typeface="Wingdings" panose="05000000000000000000" pitchFamily="2" charset="2"/>
+              <a:buChar char="§"/>
+            </a:pPr>
+            <a:r>
+              <a:rPr lang="en-US" sz="3600" dirty="0" smtClean="0">
+                <a:latin typeface="+mj-lt"/>
+              </a:rPr>
+              <a:t> Facebook marketing: </a:t>
+            </a:r>
+          </a:p>
+          <a:p>
+            <a:pPr lvl="1">
+              <a:buSzPct val="80000"/>
+              <a:buFont typeface="Wingdings" panose="05000000000000000000" pitchFamily="2" charset="2"/>
+              <a:buChar char="§"/>
+            </a:pPr>
+            <a:r>
+              <a:rPr lang="en-US" sz="3200" dirty="0" smtClean="0">
+                <a:latin typeface="+mj-lt"/>
+              </a:rPr>
+              <a:t> Customer </a:t>
+            </a:r>
+            <a:r>
+              <a:rPr lang="en-US" sz="3200" dirty="0">
+                <a:latin typeface="+mj-lt"/>
+              </a:rPr>
+              <a:t>recommendations using the Graph </a:t>
+            </a:r>
+            <a:r>
+              <a:rPr lang="en-US" sz="3200" dirty="0" smtClean="0">
+                <a:latin typeface="+mj-lt"/>
+              </a:rPr>
+              <a:t>API</a:t>
+            </a:r>
+          </a:p>
+          <a:p>
+            <a:pPr lvl="1">
+              <a:buSzPct val="80000"/>
+              <a:buFont typeface="Wingdings" panose="05000000000000000000" pitchFamily="2" charset="2"/>
+              <a:buChar char="§"/>
+            </a:pPr>
+            <a:r>
+              <a:rPr lang="en-US" sz="3200" dirty="0" smtClean="0">
+                <a:latin typeface="+mj-lt"/>
+              </a:rPr>
+              <a:t> Trusted recommendations only</a:t>
+            </a:r>
+          </a:p>
+          <a:p>
+            <a:pPr lvl="1">
+              <a:buSzPct val="80000"/>
+              <a:buFont typeface="Wingdings" panose="05000000000000000000" pitchFamily="2" charset="2"/>
+              <a:buChar char="§"/>
+            </a:pPr>
+            <a:r>
+              <a:rPr lang="en-US" sz="3200" dirty="0" smtClean="0">
+                <a:latin typeface="+mj-lt"/>
+              </a:rPr>
+              <a:t> Custom messages with friend tagging</a:t>
+            </a:r>
+            <a:endParaRPr lang="en-US" sz="3200" dirty="0">
+              <a:latin typeface="+mj-lt"/>
+            </a:endParaRPr>
+          </a:p>
+          <a:p>
+            <a:pPr>
+              <a:buSzPct val="80000"/>
+              <a:buFont typeface="Wingdings" panose="05000000000000000000" pitchFamily="2" charset="2"/>
+              <a:buChar char="§"/>
+            </a:pPr>
+            <a:r>
+              <a:rPr lang="en-US" sz="3600" dirty="0" smtClean="0">
+                <a:latin typeface="+mj-lt"/>
+              </a:rPr>
+              <a:t> Instant setup</a:t>
+            </a:r>
+          </a:p>
+          <a:p>
+            <a:pPr>
+              <a:buSzPct val="80000"/>
+              <a:buFont typeface="Wingdings" panose="05000000000000000000" pitchFamily="2" charset="2"/>
+              <a:buChar char="§"/>
+            </a:pPr>
+            <a:r>
+              <a:rPr lang="en-US" sz="3600" dirty="0" smtClean="0">
+                <a:latin typeface="+mj-lt"/>
+              </a:rPr>
+              <a:t> Low cost</a:t>
+            </a:r>
+          </a:p>
+          <a:p>
+            <a:pPr>
+              <a:buSzPct val="80000"/>
+              <a:buFont typeface="Wingdings" panose="05000000000000000000" pitchFamily="2" charset="2"/>
+              <a:buChar char="§"/>
+            </a:pPr>
+            <a:endParaRPr lang="en-US" sz="3600" dirty="0">
+              <a:latin typeface="+mj-lt"/>
+            </a:endParaRPr>
+          </a:p>
+        </p:txBody>
+      </p:sp>
+      <p:sp>
+        <p:nvSpPr>
+          <p:cNvPr id="4" name="Title 3"/>
+          <p:cNvSpPr>
+            <a:spLocks noGrp="1"/>
+          </p:cNvSpPr>
+          <p:nvPr>
+            <p:ph type="title"/>
+          </p:nvPr>
+        </p:nvSpPr>
+        <p:spPr/>
+        <p:txBody>
+          <a:bodyPr>
+            <a:normAutofit/>
+          </a:bodyPr>
+          <a:lstStyle/>
+          <a:p>
+            <a:r>
+              <a:rPr lang="en-US" sz="4800" dirty="0" smtClean="0"/>
+              <a:t>Refer Engine</a:t>
+            </a:r>
+            <a:endParaRPr lang="en-US" sz="4800" dirty="0"/>
           </a:p>
         </p:txBody>
       </p:sp>
     </p:spTree>
     <p:extLst>
       <p:ext uri="{BB962C8B-B14F-4D97-AF65-F5344CB8AC3E}">
-        <p14:creationId xmlns:p14="http://schemas.microsoft.com/office/powerpoint/2010/main" val="118110693"/>
+        <p14:creationId xmlns:p14="http://schemas.microsoft.com/office/powerpoint/2010/main" val="3384503463"/>
       </p:ext>
     </p:extLst>
   </p:cSld>
@@ -4034,29 +4806,6 @@
       </p:grpSpPr>
       <p:sp>
         <p:nvSpPr>
-          <p:cNvPr id="2" name="Title 1"/>
-          <p:cNvSpPr>
-            <a:spLocks noGrp="1"/>
-          </p:cNvSpPr>
-          <p:nvPr>
-            <p:ph type="title"/>
-          </p:nvPr>
-        </p:nvSpPr>
-        <p:spPr/>
-        <p:txBody>
-          <a:bodyPr/>
-          <a:lstStyle/>
-          <a:p>
-            <a:r>
-              <a:rPr lang="en-US" dirty="0" smtClean="0"/>
-              <a:t>Business Model</a:t>
-            </a:r>
-            <a:endParaRPr lang="en-US" dirty="0"/>
-          </a:p>
-        </p:txBody>
-      </p:sp>
-      <p:sp>
-        <p:nvSpPr>
           <p:cNvPr id="3" name="Content Placeholder 2"/>
           <p:cNvSpPr>
             <a:spLocks noGrp="1"/>
@@ -4072,24 +4821,119 @@
           </a:bodyPr>
           <a:lstStyle/>
           <a:p>
-            <a:r>
-              <a:rPr lang="en-US" sz="3000" dirty="0" smtClean="0"/>
-              <a:t>Monthly subscriptions</a:t>
-            </a:r>
-            <a:endParaRPr lang="en-US" sz="3000" dirty="0"/>
+            <a:pPr>
+              <a:buSzPct val="80000"/>
+              <a:buFont typeface="Wingdings" panose="05000000000000000000" pitchFamily="2" charset="2"/>
+              <a:buChar char="§"/>
+            </a:pPr>
+            <a:r>
+              <a:rPr lang="en-US" sz="3600" dirty="0">
+                <a:latin typeface="+mj-lt"/>
+              </a:rPr>
+              <a:t> </a:t>
+            </a:r>
+            <a:r>
+              <a:rPr lang="en-US" sz="3600" dirty="0" smtClean="0">
+                <a:latin typeface="+mj-lt"/>
+              </a:rPr>
+              <a:t>Instant marketing: no coding required</a:t>
+            </a:r>
+            <a:endParaRPr lang="en-US" sz="3600" dirty="0">
+              <a:latin typeface="+mj-lt"/>
+            </a:endParaRPr>
+          </a:p>
+          <a:p>
+            <a:pPr>
+              <a:buSzPct val="80000"/>
+              <a:buFont typeface="Wingdings" panose="05000000000000000000" pitchFamily="2" charset="2"/>
+              <a:buChar char="§"/>
+            </a:pPr>
+            <a:r>
+              <a:rPr lang="en-US" sz="3600" dirty="0" smtClean="0">
+                <a:latin typeface="+mj-lt"/>
+              </a:rPr>
+              <a:t> Automatic optimization across apps</a:t>
+            </a:r>
+          </a:p>
+          <a:p>
+            <a:pPr>
+              <a:buSzPct val="80000"/>
+              <a:buFont typeface="Wingdings" panose="05000000000000000000" pitchFamily="2" charset="2"/>
+              <a:buChar char="§"/>
+            </a:pPr>
+            <a:r>
+              <a:rPr lang="en-US" sz="3600" dirty="0">
+                <a:latin typeface="+mj-lt"/>
+              </a:rPr>
+              <a:t> </a:t>
+            </a:r>
+            <a:r>
+              <a:rPr lang="en-US" sz="3600" dirty="0" smtClean="0">
+                <a:latin typeface="+mj-lt"/>
+              </a:rPr>
+              <a:t>First to market for Windows 8 apps</a:t>
+            </a:r>
+          </a:p>
+          <a:p>
+            <a:pPr>
+              <a:buSzPct val="80000"/>
+              <a:buFont typeface="Wingdings" panose="05000000000000000000" pitchFamily="2" charset="2"/>
+              <a:buChar char="§"/>
+            </a:pPr>
+            <a:r>
+              <a:rPr lang="en-US" sz="3600" dirty="0" smtClean="0">
+                <a:latin typeface="+mj-lt"/>
+              </a:rPr>
+              <a:t> Demo</a:t>
+            </a:r>
+            <a:endParaRPr lang="en-US" sz="3600" dirty="0">
+              <a:latin typeface="+mj-lt"/>
+            </a:endParaRPr>
+          </a:p>
+        </p:txBody>
+      </p:sp>
+      <p:sp>
+        <p:nvSpPr>
+          <p:cNvPr id="4" name="Title 3"/>
+          <p:cNvSpPr>
+            <a:spLocks noGrp="1"/>
+          </p:cNvSpPr>
+          <p:nvPr>
+            <p:ph type="title"/>
+          </p:nvPr>
+        </p:nvSpPr>
+        <p:spPr/>
+        <p:txBody>
+          <a:bodyPr>
+            <a:normAutofit/>
+          </a:bodyPr>
+          <a:lstStyle/>
+          <a:p>
+            <a:r>
+              <a:rPr lang="en-US" sz="4800" dirty="0"/>
+              <a:t>What’s different?</a:t>
+            </a:r>
+            <a:endParaRPr lang="en-US" sz="4800" dirty="0"/>
           </a:p>
         </p:txBody>
       </p:sp>
     </p:spTree>
     <p:extLst>
       <p:ext uri="{BB962C8B-B14F-4D97-AF65-F5344CB8AC3E}">
-        <p14:creationId xmlns:p14="http://schemas.microsoft.com/office/powerpoint/2010/main" val="1826695280"/>
+        <p14:creationId xmlns:p14="http://schemas.microsoft.com/office/powerpoint/2010/main" val="1869179041"/>
       </p:ext>
     </p:extLst>
   </p:cSld>
   <p:clrMapOvr>
     <a:masterClrMapping/>
   </p:clrMapOvr>
+  <p:timing>
+    <p:tnLst>
+      <p:par>
+        <p:cTn id="1" dur="indefinite" restart="never" nodeType="tmRoot"/>
+      </p:par>
+    </p:tnLst>
+  </p:timing>
 </p:sld>
 </file>
 
@@ -4112,29 +4956,6 @@
       </p:grpSpPr>
       <p:sp>
         <p:nvSpPr>
-          <p:cNvPr id="2" name="Title 1"/>
-          <p:cNvSpPr>
-            <a:spLocks noGrp="1"/>
-          </p:cNvSpPr>
-          <p:nvPr>
-            <p:ph type="title"/>
-          </p:nvPr>
-        </p:nvSpPr>
-        <p:spPr/>
-        <p:txBody>
-          <a:bodyPr/>
-          <a:lstStyle/>
-          <a:p>
-            <a:r>
-              <a:rPr lang="en-US" dirty="0" smtClean="0"/>
-              <a:t>Underlying Magic</a:t>
-            </a:r>
-            <a:endParaRPr lang="en-US" dirty="0"/>
-          </a:p>
-        </p:txBody>
-      </p:sp>
-      <p:sp>
-        <p:nvSpPr>
           <p:cNvPr id="3" name="Content Placeholder 2"/>
           <p:cNvSpPr>
             <a:spLocks noGrp="1"/>
@@ -4150,20 +4971,58 @@
           </a:bodyPr>
           <a:lstStyle/>
           <a:p>
-            <a:endParaRPr lang="en-US" sz="3000" dirty="0"/>
+            <a:pPr>
+              <a:buFont typeface="Wingdings" panose="05000000000000000000" pitchFamily="2" charset="2"/>
+              <a:buChar char="§"/>
+            </a:pPr>
+            <a:endParaRPr lang="en-US" sz="3600" dirty="0">
+              <a:latin typeface="+mj-lt"/>
+            </a:endParaRPr>
+          </a:p>
+        </p:txBody>
+      </p:sp>
+      <p:sp>
+        <p:nvSpPr>
+          <p:cNvPr id="4" name="Title 3"/>
+          <p:cNvSpPr>
+            <a:spLocks noGrp="1"/>
+          </p:cNvSpPr>
+          <p:nvPr>
+            <p:ph type="title"/>
+          </p:nvPr>
+        </p:nvSpPr>
+        <p:spPr/>
+        <p:txBody>
+          <a:bodyPr>
+            <a:normAutofit/>
+          </a:bodyPr>
+          <a:lstStyle/>
+          <a:p>
+            <a:r>
+              <a:rPr lang="en-US" sz="4800" dirty="0" smtClean="0"/>
+              <a:t>Status and Timeline</a:t>
+            </a:r>
+            <a:endParaRPr lang="en-US" sz="4800" dirty="0"/>
           </a:p>
         </p:txBody>
       </p:sp>
     </p:spTree>
     <p:extLst>
       <p:ext uri="{BB962C8B-B14F-4D97-AF65-F5344CB8AC3E}">
-        <p14:creationId xmlns:p14="http://schemas.microsoft.com/office/powerpoint/2010/main" val="3237385746"/>
+        <p14:creationId xmlns:p14="http://schemas.microsoft.com/office/powerpoint/2010/main" val="3316054247"/>
       </p:ext>
     </p:extLst>
   </p:cSld>
   <p:clrMapOvr>
     <a:masterClrMapping/>
   </p:clrMapOvr>
+  <p:timing>
+    <p:tnLst>
+      <p:par>
+        <p:cTn id="1" dur="indefinite" restart="never" nodeType="tmRoot"/>
+      </p:par>
+    </p:tnLst>
+  </p:timing>
 </p:sld>
 </file>
 
@@ -4186,29 +5045,6 @@
       </p:grpSpPr>
       <p:sp>
         <p:nvSpPr>
-          <p:cNvPr id="2" name="Title 1"/>
-          <p:cNvSpPr>
-            <a:spLocks noGrp="1"/>
-          </p:cNvSpPr>
-          <p:nvPr>
-            <p:ph type="title"/>
-          </p:nvPr>
-        </p:nvSpPr>
-        <p:spPr/>
-        <p:txBody>
-          <a:bodyPr/>
-          <a:lstStyle/>
-          <a:p>
-            <a:r>
-              <a:rPr lang="en-US" dirty="0" smtClean="0"/>
-              <a:t>Marketing and Sales</a:t>
-            </a:r>
-            <a:endParaRPr lang="en-US" dirty="0"/>
-          </a:p>
-        </p:txBody>
-      </p:sp>
-      <p:sp>
-        <p:nvSpPr>
           <p:cNvPr id="3" name="Content Placeholder 2"/>
           <p:cNvSpPr>
             <a:spLocks noGrp="1"/>
@@ -4224,20 +5060,157 @@
           </a:bodyPr>
           <a:lstStyle/>
           <a:p>
-            <a:endParaRPr lang="en-US" sz="3000" dirty="0"/>
+            <a:pPr>
+              <a:buFont typeface="Wingdings" panose="05000000000000000000" pitchFamily="2" charset="2"/>
+              <a:buChar char="§"/>
+            </a:pPr>
+            <a:r>
+              <a:rPr lang="en-US" sz="3600" dirty="0">
+                <a:latin typeface="+mj-lt"/>
+              </a:rPr>
+              <a:t>Monthly subscription service based on number of active users</a:t>
+            </a:r>
+          </a:p>
+          <a:p>
+            <a:pPr>
+              <a:buFont typeface="Wingdings" panose="05000000000000000000" pitchFamily="2" charset="2"/>
+              <a:buChar char="§"/>
+            </a:pPr>
+            <a:r>
+              <a:rPr lang="en-US" sz="3600" dirty="0">
+                <a:latin typeface="+mj-lt"/>
+              </a:rPr>
+              <a:t>Free 45-day trial</a:t>
+            </a:r>
+          </a:p>
+          <a:p>
+            <a:pPr>
+              <a:buFont typeface="Wingdings" panose="05000000000000000000" pitchFamily="2" charset="2"/>
+              <a:buChar char="§"/>
+            </a:pPr>
+            <a:r>
+              <a:rPr lang="en-US" sz="3600" dirty="0">
+                <a:latin typeface="+mj-lt"/>
+              </a:rPr>
+              <a:t>Plans at: $20, $80, $150 and more</a:t>
+            </a:r>
+          </a:p>
+          <a:p>
+            <a:pPr>
+              <a:buFont typeface="Wingdings" panose="05000000000000000000" pitchFamily="2" charset="2"/>
+              <a:buChar char="§"/>
+            </a:pPr>
+            <a:r>
+              <a:rPr lang="en-US" sz="3600" dirty="0">
+                <a:latin typeface="+mj-lt"/>
+              </a:rPr>
+              <a:t>Free until May 2013</a:t>
+            </a:r>
+          </a:p>
+          <a:p>
+            <a:pPr>
+              <a:buFont typeface="Wingdings" panose="05000000000000000000" pitchFamily="2" charset="2"/>
+              <a:buChar char="§"/>
+            </a:pPr>
+            <a:r>
+              <a:rPr lang="en-US" sz="3600" dirty="0">
+                <a:latin typeface="+mj-lt"/>
+              </a:rPr>
+              <a:t>Pricing is modeled after many existing B2D solutions (</a:t>
+            </a:r>
+            <a:r>
+              <a:rPr lang="en-US" sz="3600" dirty="0" err="1">
+                <a:latin typeface="+mj-lt"/>
+              </a:rPr>
+              <a:t>MixPanel</a:t>
+            </a:r>
+            <a:r>
+              <a:rPr lang="en-US" sz="3600" dirty="0">
+                <a:latin typeface="+mj-lt"/>
+              </a:rPr>
+              <a:t>, </a:t>
+            </a:r>
+            <a:r>
+              <a:rPr lang="en-US" sz="3600" dirty="0" err="1">
+                <a:latin typeface="+mj-lt"/>
+              </a:rPr>
+              <a:t>Optimizely</a:t>
+            </a:r>
+            <a:r>
+              <a:rPr lang="en-US" sz="3600" dirty="0">
+                <a:latin typeface="+mj-lt"/>
+              </a:rPr>
+              <a:t>, </a:t>
+            </a:r>
+            <a:r>
+              <a:rPr lang="en-US" sz="3600" dirty="0" err="1">
+                <a:latin typeface="+mj-lt"/>
+              </a:rPr>
+              <a:t>Rollbar</a:t>
+            </a:r>
+            <a:r>
+              <a:rPr lang="en-US" sz="3600" dirty="0">
+                <a:latin typeface="+mj-lt"/>
+              </a:rPr>
+              <a:t>, </a:t>
+            </a:r>
+            <a:r>
+              <a:rPr lang="en-US" sz="3600" dirty="0" err="1">
+                <a:latin typeface="+mj-lt"/>
+              </a:rPr>
+              <a:t>Olark</a:t>
+            </a:r>
+            <a:r>
+              <a:rPr lang="en-US" sz="3600" dirty="0">
+                <a:latin typeface="+mj-lt"/>
+              </a:rPr>
+              <a:t>)</a:t>
+            </a:r>
+          </a:p>
+        </p:txBody>
+      </p:sp>
+      <p:sp>
+        <p:nvSpPr>
+          <p:cNvPr id="4" name="Title 3"/>
+          <p:cNvSpPr>
+            <a:spLocks noGrp="1"/>
+          </p:cNvSpPr>
+          <p:nvPr>
+            <p:ph type="title"/>
+          </p:nvPr>
+        </p:nvSpPr>
+        <p:spPr/>
+        <p:txBody>
+          <a:bodyPr>
+            <a:normAutofit/>
+          </a:bodyPr>
+          <a:lstStyle/>
+          <a:p>
+            <a:r>
+              <a:rPr lang="en-US" sz="4800" dirty="0"/>
+              <a:t>Business Model</a:t>
+            </a:r>
+            <a:endParaRPr lang="en-US" sz="4800" dirty="0"/>
           </a:p>
         </p:txBody>
       </p:sp>
     </p:spTree>
     <p:extLst>
       <p:ext uri="{BB962C8B-B14F-4D97-AF65-F5344CB8AC3E}">
-        <p14:creationId xmlns:p14="http://schemas.microsoft.com/office/powerpoint/2010/main" val="3133380817"/>
+        <p14:creationId xmlns:p14="http://schemas.microsoft.com/office/powerpoint/2010/main" val="2850273779"/>
       </p:ext>
     </p:extLst>
   </p:cSld>
   <p:clrMapOvr>
     <a:masterClrMapping/>
   </p:clrMapOvr>
+  <p:timing>
+    <p:tnLst>
+      <p:par>
+        <p:cTn id="1" dur="indefinite" restart="never" nodeType="tmRoot"/>
+      </p:par>
+    </p:tnLst>
+  </p:timing>
 </p:sld>
 </file>
 
@@ -4260,29 +5233,6 @@
       </p:grpSpPr>
       <p:sp>
         <p:nvSpPr>
-          <p:cNvPr id="2" name="Title 1"/>
-          <p:cNvSpPr>
-            <a:spLocks noGrp="1"/>
-          </p:cNvSpPr>
-          <p:nvPr>
-            <p:ph type="title"/>
-          </p:nvPr>
-        </p:nvSpPr>
-        <p:spPr/>
-        <p:txBody>
-          <a:bodyPr/>
-          <a:lstStyle/>
-          <a:p>
-            <a:r>
-              <a:rPr lang="en-US" dirty="0" smtClean="0"/>
-              <a:t>Competition</a:t>
-            </a:r>
-            <a:endParaRPr lang="en-US" dirty="0"/>
-          </a:p>
-        </p:txBody>
-      </p:sp>
-      <p:sp>
-        <p:nvSpPr>
           <p:cNvPr id="3" name="Content Placeholder 2"/>
           <p:cNvSpPr>
             <a:spLocks noGrp="1"/>
@@ -4298,20 +5248,58 @@
           </a:bodyPr>
           <a:lstStyle/>
           <a:p>
-            <a:endParaRPr lang="en-US" sz="3000" dirty="0"/>
+            <a:pPr>
+              <a:buFont typeface="Wingdings" panose="05000000000000000000" pitchFamily="2" charset="2"/>
+              <a:buChar char="§"/>
+            </a:pPr>
+            <a:endParaRPr lang="en-US" sz="3600" dirty="0">
+              <a:latin typeface="+mj-lt"/>
+            </a:endParaRPr>
+          </a:p>
+        </p:txBody>
+      </p:sp>
+      <p:sp>
+        <p:nvSpPr>
+          <p:cNvPr id="4" name="Title 3"/>
+          <p:cNvSpPr>
+            <a:spLocks noGrp="1"/>
+          </p:cNvSpPr>
+          <p:nvPr>
+            <p:ph type="title"/>
+          </p:nvPr>
+        </p:nvSpPr>
+        <p:spPr/>
+        <p:txBody>
+          <a:bodyPr>
+            <a:normAutofit/>
+          </a:bodyPr>
+          <a:lstStyle/>
+          <a:p>
+            <a:r>
+              <a:rPr lang="en-US" sz="4800" dirty="0" smtClean="0"/>
+              <a:t>Go To Market</a:t>
+            </a:r>
+            <a:endParaRPr lang="en-US" sz="4800" dirty="0"/>
           </a:p>
         </p:txBody>
       </p:sp>
     </p:spTree>
     <p:extLst>
       <p:ext uri="{BB962C8B-B14F-4D97-AF65-F5344CB8AC3E}">
-        <p14:creationId xmlns:p14="http://schemas.microsoft.com/office/powerpoint/2010/main" val="1506038424"/>
+        <p14:creationId xmlns:p14="http://schemas.microsoft.com/office/powerpoint/2010/main" val="1468156524"/>
       </p:ext>
     </p:extLst>
   </p:cSld>
   <p:clrMapOvr>
     <a:masterClrMapping/>
   </p:clrMapOvr>
+  <p:timing>
+    <p:tnLst>
+      <p:par>
+        <p:cTn id="1" dur="indefinite" restart="never" nodeType="tmRoot"/>
+      </p:par>
+    </p:tnLst>
+  </p:timing>
 </p:sld>
 </file>
 
@@ -4334,29 +5322,6 @@
       </p:grpSpPr>
       <p:sp>
         <p:nvSpPr>
-          <p:cNvPr id="2" name="Title 1"/>
-          <p:cNvSpPr>
-            <a:spLocks noGrp="1"/>
-          </p:cNvSpPr>
-          <p:nvPr>
-            <p:ph type="title"/>
-          </p:nvPr>
-        </p:nvSpPr>
-        <p:spPr/>
-        <p:txBody>
-          <a:bodyPr/>
-          <a:lstStyle/>
-          <a:p>
-            <a:r>
-              <a:rPr lang="en-US" dirty="0" smtClean="0"/>
-              <a:t>Team</a:t>
-            </a:r>
-            <a:endParaRPr lang="en-US" dirty="0"/>
-          </a:p>
-        </p:txBody>
-      </p:sp>
-      <p:sp>
-        <p:nvSpPr>
           <p:cNvPr id="3" name="Content Placeholder 2"/>
           <p:cNvSpPr>
             <a:spLocks noGrp="1"/>
@@ -4372,20 +5337,58 @@
           </a:bodyPr>
           <a:lstStyle/>
           <a:p>
-            <a:endParaRPr lang="en-US" sz="3000" dirty="0"/>
+            <a:pPr>
+              <a:buFont typeface="Wingdings" panose="05000000000000000000" pitchFamily="2" charset="2"/>
+              <a:buChar char="§"/>
+            </a:pPr>
+            <a:endParaRPr lang="en-US" sz="3600" dirty="0">
+              <a:latin typeface="+mj-lt"/>
+            </a:endParaRPr>
+          </a:p>
+        </p:txBody>
+      </p:sp>
+      <p:sp>
+        <p:nvSpPr>
+          <p:cNvPr id="4" name="Title 3"/>
+          <p:cNvSpPr>
+            <a:spLocks noGrp="1"/>
+          </p:cNvSpPr>
+          <p:nvPr>
+            <p:ph type="title"/>
+          </p:nvPr>
+        </p:nvSpPr>
+        <p:spPr/>
+        <p:txBody>
+          <a:bodyPr>
+            <a:normAutofit/>
+          </a:bodyPr>
+          <a:lstStyle/>
+          <a:p>
+            <a:r>
+              <a:rPr lang="en-US" sz="4800" dirty="0" smtClean="0"/>
+              <a:t>Competition</a:t>
+            </a:r>
+            <a:endParaRPr lang="en-US" sz="4800" dirty="0"/>
           </a:p>
         </p:txBody>
       </p:sp>
     </p:spTree>
     <p:extLst>
       <p:ext uri="{BB962C8B-B14F-4D97-AF65-F5344CB8AC3E}">
-        <p14:creationId xmlns:p14="http://schemas.microsoft.com/office/powerpoint/2010/main" val="3769866295"/>
+        <p14:creationId xmlns:p14="http://schemas.microsoft.com/office/powerpoint/2010/main" val="1212828390"/>
       </p:ext>
     </p:extLst>
   </p:cSld>
   <p:clrMapOvr>
     <a:masterClrMapping/>
   </p:clrMapOvr>
+  <p:timing>
+    <p:tnLst>
+      <p:par>
+        <p:cTn id="1" dur="indefinite" restart="never" nodeType="tmRoot"/>
+      </p:par>
+    </p:tnLst>
+  </p:timing>
 </p:sld>
 </file>
 
@@ -4408,29 +5411,6 @@
       </p:grpSpPr>
       <p:sp>
         <p:nvSpPr>
-          <p:cNvPr id="2" name="Title 1"/>
-          <p:cNvSpPr>
-            <a:spLocks noGrp="1"/>
-          </p:cNvSpPr>
-          <p:nvPr>
-            <p:ph type="title"/>
-          </p:nvPr>
-        </p:nvSpPr>
-        <p:spPr/>
-        <p:txBody>
-          <a:bodyPr/>
-          <a:lstStyle/>
-          <a:p>
-            <a:r>
-              <a:rPr lang="en-US" dirty="0" smtClean="0"/>
-              <a:t>Projections and Milestones</a:t>
-            </a:r>
-            <a:endParaRPr lang="en-US" dirty="0"/>
-          </a:p>
-        </p:txBody>
-      </p:sp>
-      <p:sp>
-        <p:nvSpPr>
           <p:cNvPr id="3" name="Content Placeholder 2"/>
           <p:cNvSpPr>
             <a:spLocks noGrp="1"/>
@@ -4446,20 +5426,58 @@
           </a:bodyPr>
           <a:lstStyle/>
           <a:p>
-            <a:endParaRPr lang="en-US" sz="3000" dirty="0"/>
+            <a:pPr>
+              <a:buFont typeface="Wingdings" panose="05000000000000000000" pitchFamily="2" charset="2"/>
+              <a:buChar char="§"/>
+            </a:pPr>
+            <a:endParaRPr lang="en-US" sz="3600" dirty="0">
+              <a:latin typeface="+mj-lt"/>
+            </a:endParaRPr>
+          </a:p>
+        </p:txBody>
+      </p:sp>
+      <p:sp>
+        <p:nvSpPr>
+          <p:cNvPr id="4" name="Title 3"/>
+          <p:cNvSpPr>
+            <a:spLocks noGrp="1"/>
+          </p:cNvSpPr>
+          <p:nvPr>
+            <p:ph type="title"/>
+          </p:nvPr>
+        </p:nvSpPr>
+        <p:spPr/>
+        <p:txBody>
+          <a:bodyPr>
+            <a:normAutofit/>
+          </a:bodyPr>
+          <a:lstStyle/>
+          <a:p>
+            <a:r>
+              <a:rPr lang="en-US" sz="4800" dirty="0" smtClean="0"/>
+              <a:t>Team</a:t>
+            </a:r>
+            <a:endParaRPr lang="en-US" sz="4800" dirty="0"/>
           </a:p>
         </p:txBody>
       </p:sp>
     </p:spTree>
     <p:extLst>
       <p:ext uri="{BB962C8B-B14F-4D97-AF65-F5344CB8AC3E}">
-        <p14:creationId xmlns:p14="http://schemas.microsoft.com/office/powerpoint/2010/main" val="1823908740"/>
+        <p14:creationId xmlns:p14="http://schemas.microsoft.com/office/powerpoint/2010/main" val="4152336130"/>
       </p:ext>
     </p:extLst>
   </p:cSld>
   <p:clrMapOvr>
     <a:masterClrMapping/>
   </p:clrMapOvr>
+  <p:timing>
+    <p:tnLst>
+      <p:par>
+        <p:cTn id="1" dur="indefinite" restart="never" nodeType="tmRoot"/>
+      </p:par>
+    </p:tnLst>
+  </p:timing>
 </p:sld>
 </file>
 

--- a/Documents/Investors/NWEN-FirstLook-2013-03.pptx
+++ b/Documents/Investors/NWEN-FirstLook-2013-03.pptx
@@ -12,8 +12,8 @@
     <p:sldId id="257" r:id="rId3"/>
     <p:sldId id="267" r:id="rId4"/>
     <p:sldId id="268" r:id="rId5"/>
-    <p:sldId id="269" r:id="rId6"/>
-    <p:sldId id="270" r:id="rId7"/>
+    <p:sldId id="270" r:id="rId6"/>
+    <p:sldId id="269" r:id="rId7"/>
     <p:sldId id="271" r:id="rId8"/>
     <p:sldId id="272" r:id="rId9"/>
     <p:sldId id="273" r:id="rId10"/>
@@ -218,7 +218,7 @@
           <a:p>
             <a:fld id="{806E9DFF-18E5-45FD-B5B6-5DD2C9E7677C}" type="datetimeFigureOut">
               <a:rPr lang="en-US" smtClean="0"/>
-              <a:t>3/12/2013</a:t>
+              <a:t>3/13/2013</a:t>
             </a:fld>
             <a:endParaRPr lang="en-US"/>
           </a:p>
@@ -690,7 +690,27 @@
               <a:rPr lang="en-US" baseline="0" dirty="0" smtClean="0"/>
               <a:t> / click. </a:t>
             </a:r>
-            <a:endParaRPr lang="en-US" dirty="0"/>
+            <a:endParaRPr lang="en-US" baseline="0" dirty="0" smtClean="0"/>
+          </a:p>
+          <a:p>
+            <a:pPr marL="171450" indent="-171450">
+              <a:buFontTx/>
+              <a:buChar char="-"/>
+            </a:pPr>
+            <a:r>
+              <a:rPr lang="en-US" baseline="0" dirty="0" smtClean="0"/>
+              <a:t>Current prototype is at 60 clicks / month for $20 / month plan</a:t>
+            </a:r>
+          </a:p>
+          <a:p>
+            <a:pPr marL="628650" lvl="1" indent="-171450">
+              <a:buFontTx/>
+              <a:buChar char="-"/>
+            </a:pPr>
+            <a:r>
+              <a:rPr lang="en-US" baseline="0" dirty="0" smtClean="0"/>
+              <a:t>Plans will be targeted to make this a better value</a:t>
+            </a:r>
           </a:p>
         </p:txBody>
       </p:sp>
@@ -788,8 +808,74 @@
                 <a:ea typeface="+mn-ea"/>
                 <a:cs typeface="+mn-cs"/>
               </a:rPr>
-              <a:t>In other platforms, every app has to optimize for itself</a:t>
-            </a:r>
+              <a:t>In other platforms, every app has to optimize for </a:t>
+            </a:r>
+            <a:r>
+              <a:rPr lang="en-US" sz="3200" kern="1200" dirty="0" smtClean="0">
+                <a:solidFill>
+                  <a:schemeClr val="tx1"/>
+                </a:solidFill>
+                <a:latin typeface="+mn-lt"/>
+                <a:ea typeface="+mn-ea"/>
+                <a:cs typeface="+mn-cs"/>
+              </a:rPr>
+              <a:t>itself</a:t>
+            </a:r>
+          </a:p>
+          <a:p>
+            <a:pPr marL="1371600" lvl="2" indent="-457200">
+              <a:buSzPct val="80000"/>
+              <a:buFontTx/>
+              <a:buChar char="-"/>
+            </a:pPr>
+            <a:r>
+              <a:rPr lang="en-US" sz="3200" kern="1200" dirty="0" smtClean="0">
+                <a:solidFill>
+                  <a:schemeClr val="tx1"/>
+                </a:solidFill>
+                <a:latin typeface="+mn-lt"/>
+                <a:ea typeface="+mn-ea"/>
+                <a:cs typeface="+mn-cs"/>
+              </a:rPr>
+              <a:t>Optimization tests:</a:t>
+            </a:r>
+            <a:r>
+              <a:rPr lang="en-US" sz="3200" kern="1200" baseline="0" dirty="0" smtClean="0">
+                <a:solidFill>
+                  <a:schemeClr val="tx1"/>
+                </a:solidFill>
+                <a:latin typeface="+mn-lt"/>
+                <a:ea typeface="+mn-ea"/>
+                <a:cs typeface="+mn-cs"/>
+              </a:rPr>
+              <a:t> at least 3 versions at one time</a:t>
+            </a:r>
+          </a:p>
+          <a:p>
+            <a:pPr marL="1371600" lvl="2" indent="-457200">
+              <a:buSzPct val="80000"/>
+              <a:buFontTx/>
+              <a:buChar char="-"/>
+            </a:pPr>
+            <a:r>
+              <a:rPr lang="en-US" sz="3200" kern="1200" baseline="0" dirty="0" smtClean="0">
+                <a:solidFill>
+                  <a:schemeClr val="tx1"/>
+                </a:solidFill>
+                <a:latin typeface="+mn-lt"/>
+                <a:ea typeface="+mn-ea"/>
+                <a:cs typeface="+mn-cs"/>
+              </a:rPr>
+              <a:t>Lessons already learned</a:t>
+            </a:r>
+            <a:endParaRPr lang="en-US" sz="3200" kern="1200" dirty="0" smtClean="0">
+              <a:solidFill>
+                <a:schemeClr val="tx1"/>
+              </a:solidFill>
+              <a:latin typeface="+mn-lt"/>
+              <a:ea typeface="+mn-ea"/>
+              <a:cs typeface="+mn-cs"/>
+            </a:endParaRPr>
           </a:p>
           <a:p>
             <a:pPr marL="914400" lvl="1" indent="-457200">
@@ -924,6 +1010,222 @@
           <a:bodyPr/>
           <a:lstStyle/>
           <a:p>
+            <a:pPr marL="171450" marR="0" indent="-171450" algn="l" defTabSz="914400" rtl="0" eaLnBrk="1" fontAlgn="auto" latinLnBrk="0" hangingPunct="1">
+              <a:lnSpc>
+                <a:spcPct val="100000"/>
+              </a:lnSpc>
+              <a:spcBef>
+                <a:spcPts val="0"/>
+              </a:spcBef>
+              <a:spcAft>
+                <a:spcPts val="0"/>
+              </a:spcAft>
+              <a:buClrTx/>
+              <a:buSzTx/>
+              <a:buFontTx/>
+              <a:buChar char="-"/>
+              <a:tabLst/>
+              <a:defRPr/>
+            </a:pPr>
+            <a:r>
+              <a:rPr lang="en-US" sz="1200" kern="1200" dirty="0" smtClean="0">
+                <a:solidFill>
+                  <a:schemeClr val="tx1"/>
+                </a:solidFill>
+                <a:latin typeface="+mn-lt"/>
+                <a:ea typeface="+mn-ea"/>
+                <a:cs typeface="+mn-cs"/>
+              </a:rPr>
+              <a:t>Pricing is modeled after many existing B2D solutions (</a:t>
+            </a:r>
+            <a:r>
+              <a:rPr lang="en-US" sz="1200" kern="1200" dirty="0" err="1" smtClean="0">
+                <a:solidFill>
+                  <a:schemeClr val="tx1"/>
+                </a:solidFill>
+                <a:latin typeface="+mn-lt"/>
+                <a:ea typeface="+mn-ea"/>
+                <a:cs typeface="+mn-cs"/>
+              </a:rPr>
+              <a:t>MixPanel</a:t>
+            </a:r>
+            <a:r>
+              <a:rPr lang="en-US" sz="1200" kern="1200" dirty="0" smtClean="0">
+                <a:solidFill>
+                  <a:schemeClr val="tx1"/>
+                </a:solidFill>
+                <a:latin typeface="+mn-lt"/>
+                <a:ea typeface="+mn-ea"/>
+                <a:cs typeface="+mn-cs"/>
+              </a:rPr>
+              <a:t>, </a:t>
+            </a:r>
+            <a:r>
+              <a:rPr lang="en-US" sz="1200" kern="1200" dirty="0" err="1" smtClean="0">
+                <a:solidFill>
+                  <a:schemeClr val="tx1"/>
+                </a:solidFill>
+                <a:latin typeface="+mn-lt"/>
+                <a:ea typeface="+mn-ea"/>
+                <a:cs typeface="+mn-cs"/>
+              </a:rPr>
+              <a:t>Optimizely</a:t>
+            </a:r>
+            <a:r>
+              <a:rPr lang="en-US" sz="1200" kern="1200" dirty="0" smtClean="0">
+                <a:solidFill>
+                  <a:schemeClr val="tx1"/>
+                </a:solidFill>
+                <a:latin typeface="+mn-lt"/>
+                <a:ea typeface="+mn-ea"/>
+                <a:cs typeface="+mn-cs"/>
+              </a:rPr>
+              <a:t>, </a:t>
+            </a:r>
+            <a:r>
+              <a:rPr lang="en-US" sz="1200" kern="1200" dirty="0" err="1" smtClean="0">
+                <a:solidFill>
+                  <a:schemeClr val="tx1"/>
+                </a:solidFill>
+                <a:latin typeface="+mn-lt"/>
+                <a:ea typeface="+mn-ea"/>
+                <a:cs typeface="+mn-cs"/>
+              </a:rPr>
+              <a:t>Rollbar</a:t>
+            </a:r>
+            <a:r>
+              <a:rPr lang="en-US" sz="1200" kern="1200" dirty="0" smtClean="0">
+                <a:solidFill>
+                  <a:schemeClr val="tx1"/>
+                </a:solidFill>
+                <a:latin typeface="+mn-lt"/>
+                <a:ea typeface="+mn-ea"/>
+                <a:cs typeface="+mn-cs"/>
+              </a:rPr>
+              <a:t>, </a:t>
+            </a:r>
+            <a:r>
+              <a:rPr lang="en-US" sz="1200" kern="1200" dirty="0" err="1" smtClean="0">
+                <a:solidFill>
+                  <a:schemeClr val="tx1"/>
+                </a:solidFill>
+                <a:latin typeface="+mn-lt"/>
+                <a:ea typeface="+mn-ea"/>
+                <a:cs typeface="+mn-cs"/>
+              </a:rPr>
+              <a:t>Olark</a:t>
+            </a:r>
+            <a:r>
+              <a:rPr lang="en-US" sz="1200" kern="1200" dirty="0" smtClean="0">
+                <a:solidFill>
+                  <a:schemeClr val="tx1"/>
+                </a:solidFill>
+                <a:latin typeface="+mn-lt"/>
+                <a:ea typeface="+mn-ea"/>
+                <a:cs typeface="+mn-cs"/>
+              </a:rPr>
+              <a:t>)</a:t>
+            </a:r>
+          </a:p>
+          <a:p>
+            <a:pPr marL="171450" marR="0" indent="-171450" algn="l" defTabSz="914400" rtl="0" eaLnBrk="1" fontAlgn="auto" latinLnBrk="0" hangingPunct="1">
+              <a:lnSpc>
+                <a:spcPct val="100000"/>
+              </a:lnSpc>
+              <a:spcBef>
+                <a:spcPts val="0"/>
+              </a:spcBef>
+              <a:spcAft>
+                <a:spcPts val="0"/>
+              </a:spcAft>
+              <a:buClrTx/>
+              <a:buSzTx/>
+              <a:buFontTx/>
+              <a:buChar char="-"/>
+              <a:tabLst/>
+              <a:defRPr/>
+            </a:pPr>
+            <a:r>
+              <a:rPr lang="en-US" sz="1200" kern="1200" dirty="0" smtClean="0">
+                <a:solidFill>
+                  <a:schemeClr val="tx1"/>
+                </a:solidFill>
+                <a:latin typeface="+mn-lt"/>
+                <a:ea typeface="+mn-ea"/>
+                <a:cs typeface="+mn-cs"/>
+              </a:rPr>
+              <a:t>Free until May 2013</a:t>
+            </a:r>
+          </a:p>
+          <a:p>
+            <a:pPr marL="171450" marR="0" indent="-171450" algn="l" defTabSz="914400" rtl="0" eaLnBrk="1" fontAlgn="auto" latinLnBrk="0" hangingPunct="1">
+              <a:lnSpc>
+                <a:spcPct val="100000"/>
+              </a:lnSpc>
+              <a:spcBef>
+                <a:spcPts val="0"/>
+              </a:spcBef>
+              <a:spcAft>
+                <a:spcPts val="0"/>
+              </a:spcAft>
+              <a:buClrTx/>
+              <a:buSzTx/>
+              <a:buFontTx/>
+              <a:buChar char="-"/>
+              <a:tabLst/>
+              <a:defRPr/>
+            </a:pPr>
+            <a:r>
+              <a:rPr lang="en-US" sz="1200" kern="1200" dirty="0" smtClean="0">
+                <a:solidFill>
+                  <a:schemeClr val="tx1"/>
+                </a:solidFill>
+                <a:latin typeface="+mn-lt"/>
+                <a:ea typeface="+mn-ea"/>
+                <a:cs typeface="+mn-cs"/>
+              </a:rPr>
+              <a:t>Might</a:t>
+            </a:r>
+            <a:r>
+              <a:rPr lang="en-US" sz="1200" kern="1200" baseline="0" dirty="0" smtClean="0">
+                <a:solidFill>
+                  <a:schemeClr val="tx1"/>
+                </a:solidFill>
+                <a:latin typeface="+mn-lt"/>
+                <a:ea typeface="+mn-ea"/>
+                <a:cs typeface="+mn-cs"/>
+              </a:rPr>
+              <a:t> be altered according to real usage of customers within the next couple of months</a:t>
+            </a:r>
+          </a:p>
+          <a:p>
+            <a:pPr marL="171450" marR="0" indent="-171450" algn="l" defTabSz="914400" rtl="0" eaLnBrk="1" fontAlgn="auto" latinLnBrk="0" hangingPunct="1">
+              <a:lnSpc>
+                <a:spcPct val="100000"/>
+              </a:lnSpc>
+              <a:spcBef>
+                <a:spcPts val="0"/>
+              </a:spcBef>
+              <a:spcAft>
+                <a:spcPts val="0"/>
+              </a:spcAft>
+              <a:buClrTx/>
+              <a:buSzTx/>
+              <a:buFontTx/>
+              <a:buChar char="-"/>
+              <a:tabLst/>
+              <a:defRPr/>
+            </a:pPr>
+            <a:endParaRPr lang="en-US" sz="1200" kern="1200" dirty="0" smtClean="0">
+              <a:solidFill>
+                <a:schemeClr val="tx1"/>
+              </a:solidFill>
+              <a:latin typeface="+mn-lt"/>
+              <a:ea typeface="+mn-ea"/>
+              <a:cs typeface="+mn-cs"/>
+            </a:endParaRPr>
+          </a:p>
+          <a:p>
             <a:endParaRPr lang="en-US" dirty="0"/>
           </a:p>
         </p:txBody>
@@ -954,7 +1256,7 @@
     </p:spTree>
     <p:extLst>
       <p:ext uri="{BB962C8B-B14F-4D97-AF65-F5344CB8AC3E}">
-        <p14:creationId xmlns:p14="http://schemas.microsoft.com/office/powerpoint/2010/main" val="1781894965"/>
+        <p14:creationId xmlns:p14="http://schemas.microsoft.com/office/powerpoint/2010/main" val="2970273304"/>
       </p:ext>
     </p:extLst>
   </p:cSld>
@@ -1038,7 +1340,7 @@
     </p:spTree>
     <p:extLst>
       <p:ext uri="{BB962C8B-B14F-4D97-AF65-F5344CB8AC3E}">
-        <p14:creationId xmlns:p14="http://schemas.microsoft.com/office/powerpoint/2010/main" val="2970273304"/>
+        <p14:creationId xmlns:p14="http://schemas.microsoft.com/office/powerpoint/2010/main" val="1781894965"/>
       </p:ext>
     </p:extLst>
   </p:cSld>
@@ -1092,6 +1394,20 @@
           <a:bodyPr/>
           <a:lstStyle/>
           <a:p>
+            <a:pPr marL="171450" indent="-171450">
+              <a:buFontTx/>
+              <a:buChar char="-"/>
+            </a:pPr>
+            <a:r>
+              <a:rPr lang="en-US" dirty="0" smtClean="0"/>
+              <a:t>Early test end of last year: $7.5 per signup</a:t>
+            </a:r>
+          </a:p>
+          <a:p>
+            <a:pPr marL="171450" indent="-171450">
+              <a:buFontTx/>
+              <a:buChar char="-"/>
+            </a:pPr>
             <a:endParaRPr lang="en-US" dirty="0"/>
           </a:p>
         </p:txBody>
@@ -1176,6 +1492,55 @@
           <a:bodyPr/>
           <a:lstStyle/>
           <a:p>
+            <a:pPr marL="171450" indent="-171450">
+              <a:buFontTx/>
+              <a:buChar char="-"/>
+            </a:pPr>
+            <a:r>
+              <a:rPr lang="en-US" dirty="0" smtClean="0"/>
+              <a:t>Full marketing solutions: expensive and take time to onboard</a:t>
+            </a:r>
+          </a:p>
+          <a:p>
+            <a:pPr marL="171450" indent="-171450">
+              <a:buFontTx/>
+              <a:buChar char="-"/>
+            </a:pPr>
+            <a:r>
+              <a:rPr lang="en-US" dirty="0" smtClean="0"/>
+              <a:t>Online ads are cheaper but</a:t>
+            </a:r>
+            <a:r>
+              <a:rPr lang="en-US" baseline="0" dirty="0" smtClean="0"/>
+              <a:t> require a long process of learning and optimizing campaigns, except if you hire an external agency then you’re back to #1</a:t>
+            </a:r>
+          </a:p>
+          <a:p>
+            <a:pPr marL="171450" indent="-171450">
+              <a:buFontTx/>
+              <a:buChar char="-"/>
+            </a:pPr>
+            <a:r>
+              <a:rPr lang="en-US" baseline="0" dirty="0" err="1" smtClean="0"/>
+              <a:t>AppGratis</a:t>
+            </a:r>
+            <a:r>
+              <a:rPr lang="en-US" baseline="0" dirty="0" smtClean="0"/>
+              <a:t> (one free app a day), good but limited</a:t>
+            </a:r>
+          </a:p>
+          <a:p>
+            <a:pPr marL="171450" indent="-171450">
+              <a:buFontTx/>
+              <a:buChar char="-"/>
+            </a:pPr>
+            <a:endParaRPr lang="en-US" baseline="0" dirty="0" smtClean="0"/>
+          </a:p>
+          <a:p>
+            <a:pPr marL="171450" indent="-171450">
+              <a:buFontTx/>
+              <a:buChar char="-"/>
+            </a:pPr>
             <a:endParaRPr lang="en-US" dirty="0"/>
           </a:p>
         </p:txBody>
@@ -1343,6 +1708,334 @@
         <p:txBody>
           <a:bodyPr/>
           <a:lstStyle/>
+          <a:p>
+            <a:pPr marL="0" marR="0" indent="0" algn="l" defTabSz="914400" rtl="0" eaLnBrk="1" fontAlgn="auto" latinLnBrk="0" hangingPunct="1">
+              <a:lnSpc>
+                <a:spcPct val="100000"/>
+              </a:lnSpc>
+              <a:spcBef>
+                <a:spcPts val="0"/>
+              </a:spcBef>
+              <a:spcAft>
+                <a:spcPts val="0"/>
+              </a:spcAft>
+              <a:buClrTx/>
+              <a:buSzTx/>
+              <a:buFontTx/>
+              <a:buNone/>
+              <a:tabLst/>
+              <a:defRPr/>
+            </a:pPr>
+            <a:r>
+              <a:rPr lang="en-US" sz="1200" kern="1200" dirty="0" smtClean="0">
+                <a:solidFill>
+                  <a:schemeClr val="tx1"/>
+                </a:solidFill>
+                <a:effectLst/>
+                <a:latin typeface="+mn-lt"/>
+                <a:ea typeface="+mn-ea"/>
+                <a:cs typeface="+mn-cs"/>
+              </a:rPr>
+              <a:t>Addressable market:</a:t>
+            </a:r>
+          </a:p>
+          <a:p>
+            <a:pPr marL="171450" marR="0" indent="-171450" algn="l" defTabSz="914400" rtl="0" eaLnBrk="1" fontAlgn="auto" latinLnBrk="0" hangingPunct="1">
+              <a:lnSpc>
+                <a:spcPct val="100000"/>
+              </a:lnSpc>
+              <a:spcBef>
+                <a:spcPts val="0"/>
+              </a:spcBef>
+              <a:spcAft>
+                <a:spcPts val="0"/>
+              </a:spcAft>
+              <a:buClrTx/>
+              <a:buSzTx/>
+              <a:buFontTx/>
+              <a:buChar char="-"/>
+              <a:tabLst/>
+              <a:defRPr/>
+            </a:pPr>
+            <a:r>
+              <a:rPr lang="en-US" sz="1200" kern="1200" dirty="0" smtClean="0">
+                <a:solidFill>
+                  <a:schemeClr val="tx1"/>
+                </a:solidFill>
+                <a:effectLst/>
+                <a:latin typeface="+mn-lt"/>
+                <a:ea typeface="+mn-ea"/>
+                <a:cs typeface="+mn-cs"/>
+              </a:rPr>
+              <a:t>&gt;12,000 Windows 8 apps (paid apps and free apps with in-app purchases)</a:t>
+            </a:r>
+          </a:p>
+          <a:p>
+            <a:pPr marL="171450" marR="0" indent="-171450" algn="l" defTabSz="914400" rtl="0" eaLnBrk="1" fontAlgn="auto" latinLnBrk="0" hangingPunct="1">
+              <a:lnSpc>
+                <a:spcPct val="100000"/>
+              </a:lnSpc>
+              <a:spcBef>
+                <a:spcPts val="0"/>
+              </a:spcBef>
+              <a:spcAft>
+                <a:spcPts val="0"/>
+              </a:spcAft>
+              <a:buClrTx/>
+              <a:buSzTx/>
+              <a:buFontTx/>
+              <a:buChar char="-"/>
+              <a:tabLst/>
+              <a:defRPr/>
+            </a:pPr>
+            <a:r>
+              <a:rPr lang="en-US" sz="1200" kern="1200" dirty="0" smtClean="0">
+                <a:solidFill>
+                  <a:schemeClr val="tx1"/>
+                </a:solidFill>
+                <a:effectLst/>
+                <a:latin typeface="+mn-lt"/>
+                <a:ea typeface="+mn-ea"/>
+                <a:cs typeface="+mn-cs"/>
+              </a:rPr>
+              <a:t>The second release increases the addressable market to &gt;300,000 paid </a:t>
+            </a:r>
+            <a:r>
+              <a:rPr lang="en-US" sz="1200" kern="1200" dirty="0" err="1" smtClean="0">
+                <a:solidFill>
+                  <a:schemeClr val="tx1"/>
+                </a:solidFill>
+                <a:effectLst/>
+                <a:latin typeface="+mn-lt"/>
+                <a:ea typeface="+mn-ea"/>
+                <a:cs typeface="+mn-cs"/>
+              </a:rPr>
+              <a:t>iOS</a:t>
+            </a:r>
+            <a:r>
+              <a:rPr lang="en-US" sz="1200" kern="1200" dirty="0" smtClean="0">
+                <a:solidFill>
+                  <a:schemeClr val="tx1"/>
+                </a:solidFill>
+                <a:effectLst/>
+                <a:latin typeface="+mn-lt"/>
+                <a:ea typeface="+mn-ea"/>
+                <a:cs typeface="+mn-cs"/>
+              </a:rPr>
+              <a:t> apps </a:t>
+            </a:r>
+          </a:p>
+          <a:p>
+            <a:pPr marL="171450" marR="0" indent="-171450" algn="l" defTabSz="914400" rtl="0" eaLnBrk="1" fontAlgn="auto" latinLnBrk="0" hangingPunct="1">
+              <a:lnSpc>
+                <a:spcPct val="100000"/>
+              </a:lnSpc>
+              <a:spcBef>
+                <a:spcPts val="0"/>
+              </a:spcBef>
+              <a:spcAft>
+                <a:spcPts val="0"/>
+              </a:spcAft>
+              <a:buClrTx/>
+              <a:buSzTx/>
+              <a:buFontTx/>
+              <a:buChar char="-"/>
+              <a:tabLst/>
+              <a:defRPr/>
+            </a:pPr>
+            <a:r>
+              <a:rPr lang="en-US" sz="1200" kern="1200" dirty="0" smtClean="0">
+                <a:solidFill>
+                  <a:schemeClr val="tx1"/>
+                </a:solidFill>
+                <a:effectLst/>
+                <a:latin typeface="+mn-lt"/>
+                <a:ea typeface="+mn-ea"/>
+                <a:cs typeface="+mn-cs"/>
+              </a:rPr>
+              <a:t>the third &gt;200,000 paid Android apps.</a:t>
+            </a:r>
+          </a:p>
+          <a:p>
+            <a:pPr marL="171450" marR="0" indent="-171450" algn="l" defTabSz="914400" rtl="0" eaLnBrk="1" fontAlgn="auto" latinLnBrk="0" hangingPunct="1">
+              <a:lnSpc>
+                <a:spcPct val="100000"/>
+              </a:lnSpc>
+              <a:spcBef>
+                <a:spcPts val="0"/>
+              </a:spcBef>
+              <a:spcAft>
+                <a:spcPts val="0"/>
+              </a:spcAft>
+              <a:buClrTx/>
+              <a:buSzTx/>
+              <a:buFontTx/>
+              <a:buChar char="-"/>
+              <a:tabLst/>
+              <a:defRPr/>
+            </a:pPr>
+            <a:endParaRPr lang="en-US" sz="1200" kern="1200" dirty="0" smtClean="0">
+              <a:solidFill>
+                <a:schemeClr val="tx1"/>
+              </a:solidFill>
+              <a:effectLst/>
+              <a:latin typeface="+mn-lt"/>
+              <a:ea typeface="+mn-ea"/>
+              <a:cs typeface="+mn-cs"/>
+            </a:endParaRPr>
+          </a:p>
+          <a:p>
+            <a:pPr marL="171450" marR="0" indent="-171450" algn="l" defTabSz="914400" rtl="0" eaLnBrk="1" fontAlgn="auto" latinLnBrk="0" hangingPunct="1">
+              <a:lnSpc>
+                <a:spcPct val="100000"/>
+              </a:lnSpc>
+              <a:spcBef>
+                <a:spcPts val="0"/>
+              </a:spcBef>
+              <a:spcAft>
+                <a:spcPts val="0"/>
+              </a:spcAft>
+              <a:buClrTx/>
+              <a:buSzTx/>
+              <a:buFontTx/>
+              <a:buChar char="-"/>
+              <a:tabLst/>
+              <a:defRPr/>
+            </a:pPr>
+            <a:r>
+              <a:rPr lang="en-US" sz="1200" kern="1200" dirty="0" smtClean="0">
+                <a:solidFill>
+                  <a:schemeClr val="tx1"/>
+                </a:solidFill>
+                <a:effectLst/>
+                <a:latin typeface="+mn-lt"/>
+                <a:ea typeface="+mn-ea"/>
+                <a:cs typeface="+mn-cs"/>
+              </a:rPr>
+              <a:t>Projected Revenue Assumptions (on average): </a:t>
+            </a:r>
+          </a:p>
+          <a:p>
+            <a:pPr marL="628650" marR="0" lvl="1" indent="-171450" algn="l" defTabSz="914400" rtl="0" eaLnBrk="1" fontAlgn="auto" latinLnBrk="0" hangingPunct="1">
+              <a:lnSpc>
+                <a:spcPct val="100000"/>
+              </a:lnSpc>
+              <a:spcBef>
+                <a:spcPts val="0"/>
+              </a:spcBef>
+              <a:spcAft>
+                <a:spcPts val="0"/>
+              </a:spcAft>
+              <a:buClrTx/>
+              <a:buSzTx/>
+              <a:buFontTx/>
+              <a:buChar char="-"/>
+              <a:tabLst/>
+              <a:defRPr/>
+            </a:pPr>
+            <a:r>
+              <a:rPr lang="en-US" sz="1200" kern="1200" dirty="0" smtClean="0">
+                <a:solidFill>
+                  <a:schemeClr val="tx1"/>
+                </a:solidFill>
+                <a:effectLst/>
+                <a:latin typeface="+mn-lt"/>
+                <a:ea typeface="+mn-ea"/>
+                <a:cs typeface="+mn-cs"/>
+              </a:rPr>
+              <a:t>12% increase in signups per month</a:t>
+            </a:r>
+          </a:p>
+          <a:p>
+            <a:pPr marL="628650" marR="0" lvl="1" indent="-171450" algn="l" defTabSz="914400" rtl="0" eaLnBrk="1" fontAlgn="auto" latinLnBrk="0" hangingPunct="1">
+              <a:lnSpc>
+                <a:spcPct val="100000"/>
+              </a:lnSpc>
+              <a:spcBef>
+                <a:spcPts val="0"/>
+              </a:spcBef>
+              <a:spcAft>
+                <a:spcPts val="0"/>
+              </a:spcAft>
+              <a:buClrTx/>
+              <a:buSzTx/>
+              <a:buFontTx/>
+              <a:buChar char="-"/>
+              <a:tabLst/>
+              <a:defRPr/>
+            </a:pPr>
+            <a:r>
+              <a:rPr lang="en-US" sz="1200" kern="1200" dirty="0" smtClean="0">
+                <a:solidFill>
+                  <a:schemeClr val="tx1"/>
+                </a:solidFill>
+                <a:effectLst/>
+                <a:latin typeface="+mn-lt"/>
+                <a:ea typeface="+mn-ea"/>
+                <a:cs typeface="+mn-cs"/>
+              </a:rPr>
+              <a:t>12% monthly churn</a:t>
+            </a:r>
+          </a:p>
+          <a:p>
+            <a:pPr marL="628650" marR="0" lvl="1" indent="-171450" algn="l" defTabSz="914400" rtl="0" eaLnBrk="1" fontAlgn="auto" latinLnBrk="0" hangingPunct="1">
+              <a:lnSpc>
+                <a:spcPct val="100000"/>
+              </a:lnSpc>
+              <a:spcBef>
+                <a:spcPts val="0"/>
+              </a:spcBef>
+              <a:spcAft>
+                <a:spcPts val="0"/>
+              </a:spcAft>
+              <a:buClrTx/>
+              <a:buSzTx/>
+              <a:buFontTx/>
+              <a:buChar char="-"/>
+              <a:tabLst/>
+              <a:defRPr/>
+            </a:pPr>
+            <a:r>
+              <a:rPr lang="en-US" sz="1200" kern="1200" dirty="0" smtClean="0">
+                <a:solidFill>
+                  <a:schemeClr val="tx1"/>
+                </a:solidFill>
+                <a:effectLst/>
+                <a:latin typeface="+mn-lt"/>
+                <a:ea typeface="+mn-ea"/>
+                <a:cs typeface="+mn-cs"/>
+              </a:rPr>
+              <a:t>$21/month revenue per customer (60% free, 25% $20/month, 10% $80/month, 5% $150/month)</a:t>
+            </a:r>
+          </a:p>
+          <a:p>
+            <a:pPr marL="171450" marR="0" indent="-171450" algn="l" defTabSz="914400" rtl="0" eaLnBrk="1" fontAlgn="auto" latinLnBrk="0" hangingPunct="1">
+              <a:lnSpc>
+                <a:spcPct val="100000"/>
+              </a:lnSpc>
+              <a:spcBef>
+                <a:spcPts val="0"/>
+              </a:spcBef>
+              <a:spcAft>
+                <a:spcPts val="0"/>
+              </a:spcAft>
+              <a:buClrTx/>
+              <a:buSzTx/>
+              <a:buFontTx/>
+              <a:buChar char="-"/>
+              <a:tabLst/>
+              <a:defRPr/>
+            </a:pPr>
+            <a:endParaRPr lang="en-US" sz="1200" kern="1200" dirty="0" smtClean="0">
+              <a:solidFill>
+                <a:schemeClr val="tx1"/>
+              </a:solidFill>
+              <a:effectLst/>
+              <a:latin typeface="+mn-lt"/>
+              <a:ea typeface="+mn-ea"/>
+              <a:cs typeface="+mn-cs"/>
+            </a:endParaRPr>
+          </a:p>
           <a:p>
             <a:endParaRPr lang="en-US" dirty="0"/>
           </a:p>
@@ -1516,7 +2209,7 @@
             <a:fld id="{5586B75A-687E-405C-8A0B-8D00578BA2C3}" type="datetimeFigureOut">
               <a:rPr lang="en-US" smtClean="0"/>
               <a:pPr/>
-              <a:t>3/12/2013</a:t>
+              <a:t>3/13/2013</a:t>
             </a:fld>
             <a:endParaRPr lang="en-US" dirty="0"/>
           </a:p>
@@ -1687,7 +2380,7 @@
           <a:p>
             <a:fld id="{5F4E5243-F52A-4D37-9694-EB26C6C31910}" type="datetimeFigureOut">
               <a:rPr lang="en-US" smtClean="0"/>
-              <a:t>3/12/2013</a:t>
+              <a:t>3/13/2013</a:t>
             </a:fld>
             <a:endParaRPr lang="en-US" dirty="0"/>
           </a:p>
@@ -1867,7 +2560,7 @@
           <a:p>
             <a:fld id="{3A77B6E1-634A-48DC-9E8B-D894023267EF}" type="datetimeFigureOut">
               <a:rPr lang="en-US" smtClean="0"/>
-              <a:t>3/12/2013</a:t>
+              <a:t>3/13/2013</a:t>
             </a:fld>
             <a:endParaRPr lang="en-US" dirty="0"/>
           </a:p>
@@ -2037,7 +2730,7 @@
           <a:p>
             <a:fld id="{7B2D3E9E-A95C-48F2-B4BF-A71542E0BE9A}" type="datetimeFigureOut">
               <a:rPr lang="en-US" smtClean="0"/>
-              <a:t>3/12/2013</a:t>
+              <a:t>3/13/2013</a:t>
             </a:fld>
             <a:endParaRPr lang="en-US" dirty="0"/>
           </a:p>
@@ -2284,7 +2977,7 @@
             <a:fld id="{5586B75A-687E-405C-8A0B-8D00578BA2C3}" type="datetimeFigureOut">
               <a:rPr lang="en-US" smtClean="0"/>
               <a:pPr/>
-              <a:t>3/12/2013</a:t>
+              <a:t>3/13/2013</a:t>
             </a:fld>
             <a:endParaRPr lang="en-US" dirty="0"/>
           </a:p>
@@ -2517,7 +3210,7 @@
           <a:p>
             <a:fld id="{F12952B5-7A2F-4CC8-B7CE-9234E21C2837}" type="datetimeFigureOut">
               <a:rPr lang="en-US" smtClean="0"/>
-              <a:t>3/12/2013</a:t>
+              <a:t>3/13/2013</a:t>
             </a:fld>
             <a:endParaRPr lang="en-US" dirty="0"/>
           </a:p>
@@ -2884,7 +3577,7 @@
           <a:p>
             <a:fld id="{CE1DA07A-9201-4B4B-BAF2-015AFA30F520}" type="datetimeFigureOut">
               <a:rPr lang="en-US" smtClean="0"/>
-              <a:t>3/12/2013</a:t>
+              <a:t>3/13/2013</a:t>
             </a:fld>
             <a:endParaRPr lang="en-US" dirty="0"/>
           </a:p>
@@ -3002,7 +3695,7 @@
           <a:p>
             <a:fld id="{73D7E00A-486F-4252-8B1D-E32645521F49}" type="datetimeFigureOut">
               <a:rPr lang="en-US" smtClean="0"/>
-              <a:t>3/12/2013</a:t>
+              <a:t>3/13/2013</a:t>
             </a:fld>
             <a:endParaRPr lang="en-US" dirty="0"/>
           </a:p>
@@ -3097,7 +3790,7 @@
           <a:p>
             <a:fld id="{8DDF5F92-E675-4B36-9A60-69A962A68675}" type="datetimeFigureOut">
               <a:rPr lang="en-US" smtClean="0"/>
-              <a:t>3/12/2013</a:t>
+              <a:t>3/13/2013</a:t>
             </a:fld>
             <a:endParaRPr lang="en-US" dirty="0"/>
           </a:p>
@@ -3374,7 +4067,7 @@
           <a:p>
             <a:fld id="{AF6E2C9B-5FA2-460D-9BE7-B0812FC2A6FF}" type="datetimeFigureOut">
               <a:rPr lang="en-US" smtClean="0"/>
-              <a:t>3/12/2013</a:t>
+              <a:t>3/13/2013</a:t>
             </a:fld>
             <a:endParaRPr lang="en-US" dirty="0"/>
           </a:p>
@@ -3629,7 +4322,7 @@
             <a:fld id="{5586B75A-687E-405C-8A0B-8D00578BA2C3}" type="datetimeFigureOut">
               <a:rPr lang="en-US" smtClean="0"/>
               <a:pPr/>
-              <a:t>3/12/2013</a:t>
+              <a:t>3/13/2013</a:t>
             </a:fld>
             <a:endParaRPr lang="en-US" dirty="0"/>
           </a:p>
@@ -3844,7 +4537,7 @@
             <a:fld id="{5586B75A-687E-405C-8A0B-8D00578BA2C3}" type="datetimeFigureOut">
               <a:rPr lang="en-US" smtClean="0"/>
               <a:pPr/>
-              <a:t>3/12/2013</a:t>
+              <a:t>3/13/2013</a:t>
             </a:fld>
             <a:endParaRPr lang="en-US" dirty="0"/>
           </a:p>
@@ -4273,11 +4966,7 @@
           <a:p>
             <a:r>
               <a:rPr lang="en-US" dirty="0" smtClean="0"/>
-              <a:t>Refer </a:t>
-            </a:r>
-            <a:r>
-              <a:rPr lang="en-US" dirty="0" smtClean="0"/>
-              <a:t>Engine</a:t>
+              <a:t>Refer Engine</a:t>
             </a:r>
             <a:endParaRPr lang="en-US" dirty="0"/>
           </a:p>
@@ -4371,6 +5060,42 @@
               <a:buFont typeface="Wingdings" panose="05000000000000000000" pitchFamily="2" charset="2"/>
               <a:buChar char="§"/>
             </a:pPr>
+            <a:r>
+              <a:rPr lang="en-US" sz="3600" dirty="0" smtClean="0">
+                <a:latin typeface="+mj-lt"/>
+              </a:rPr>
+              <a:t> Total &gt; 1.2M apps (all platforms)</a:t>
+            </a:r>
+          </a:p>
+          <a:p>
+            <a:pPr lvl="1">
+              <a:buFont typeface="Wingdings" panose="05000000000000000000" pitchFamily="2" charset="2"/>
+              <a:buChar char="§"/>
+            </a:pPr>
+            <a:r>
+              <a:rPr lang="en-US" sz="3200" dirty="0">
+                <a:latin typeface="+mj-lt"/>
+              </a:rPr>
+              <a:t> </a:t>
+            </a:r>
+            <a:r>
+              <a:rPr lang="en-US" sz="3200" dirty="0" smtClean="0">
+                <a:latin typeface="+mj-lt"/>
+              </a:rPr>
+              <a:t>&gt; 30,000 Windows Apps for first release</a:t>
+            </a:r>
+          </a:p>
+          <a:p>
+            <a:pPr>
+              <a:buFont typeface="Wingdings" panose="05000000000000000000" pitchFamily="2" charset="2"/>
+              <a:buChar char="§"/>
+            </a:pPr>
+            <a:r>
+              <a:rPr lang="en-US" sz="3600" dirty="0" smtClean="0">
+                <a:latin typeface="+mj-lt"/>
+              </a:rPr>
+              <a:t> Projections:</a:t>
+            </a:r>
             <a:endParaRPr lang="en-US" sz="3600" dirty="0">
               <a:latin typeface="+mj-lt"/>
             </a:endParaRPr>
@@ -4396,12 +5121,388 @@
           <a:p>
             <a:r>
               <a:rPr lang="en-US" sz="4800" dirty="0" smtClean="0"/>
-              <a:t>Projections and Milestones</a:t>
+              <a:t>Market and Projections</a:t>
             </a:r>
             <a:endParaRPr lang="en-US" sz="4800" dirty="0"/>
           </a:p>
         </p:txBody>
       </p:sp>
+      <p:graphicFrame>
+        <p:nvGraphicFramePr>
+          <p:cNvPr id="2" name="Table 1"/>
+          <p:cNvGraphicFramePr>
+            <a:graphicFrameLocks noGrp="1"/>
+          </p:cNvGraphicFramePr>
+          <p:nvPr>
+            <p:extLst>
+              <p:ext uri="{D42A27DB-BD31-4B8C-83A1-F6EECF244321}">
+                <p14:modId xmlns:p14="http://schemas.microsoft.com/office/powerpoint/2010/main" val="3914705387"/>
+              </p:ext>
+            </p:extLst>
+          </p:nvPr>
+        </p:nvGraphicFramePr>
+        <p:xfrm>
+          <a:off x="1081169" y="3924299"/>
+          <a:ext cx="10545046" cy="853600"/>
+        </p:xfrm>
+        <a:graphic>
+          <a:graphicData uri="http://schemas.openxmlformats.org/drawingml/2006/table">
+            <a:tbl>
+              <a:tblPr firstRow="1" firstCol="1" bandRow="1">
+                <a:tableStyleId>{5C22544A-7EE6-4342-B048-85BDC9FD1C3A}</a:tableStyleId>
+              </a:tblPr>
+              <a:tblGrid>
+                <a:gridCol w="2950276"/>
+                <a:gridCol w="1518954"/>
+                <a:gridCol w="1518954"/>
+                <a:gridCol w="1518954"/>
+                <a:gridCol w="1518954"/>
+                <a:gridCol w="1518954"/>
+              </a:tblGrid>
+              <a:tr h="426800">
+                <a:tc>
+                  <a:txBody>
+                    <a:bodyPr/>
+                    <a:lstStyle/>
+                    <a:p>
+                      <a:pPr marL="0" marR="0" algn="r">
+                        <a:spcBef>
+                          <a:spcPts val="0"/>
+                        </a:spcBef>
+                        <a:spcAft>
+                          <a:spcPts val="0"/>
+                        </a:spcAft>
+                      </a:pPr>
+                      <a:r>
+                        <a:rPr lang="en-US" sz="2300" dirty="0">
+                          <a:effectLst/>
+                        </a:rPr>
+                        <a:t>Year</a:t>
+                      </a:r>
+                      <a:endParaRPr lang="en-US" sz="3000" dirty="0">
+                        <a:effectLst/>
+                        <a:latin typeface="Times New Roman" panose="02020603050405020304" pitchFamily="18" charset="0"/>
+                        <a:ea typeface="Times New Roman" panose="02020603050405020304" pitchFamily="18" charset="0"/>
+                      </a:endParaRPr>
+                    </a:p>
+                  </a:txBody>
+                  <a:tcPr marL="175263" marR="175263" marT="0" marB="0"/>
+                </a:tc>
+                <a:tc>
+                  <a:txBody>
+                    <a:bodyPr/>
+                    <a:lstStyle/>
+                    <a:p>
+                      <a:pPr marL="0" marR="0" algn="r">
+                        <a:spcBef>
+                          <a:spcPts val="0"/>
+                        </a:spcBef>
+                        <a:spcAft>
+                          <a:spcPts val="0"/>
+                        </a:spcAft>
+                      </a:pPr>
+                      <a:r>
+                        <a:rPr lang="en-US" sz="2300">
+                          <a:effectLst/>
+                        </a:rPr>
+                        <a:t>2014</a:t>
+                      </a:r>
+                      <a:endParaRPr lang="en-US" sz="3000">
+                        <a:effectLst/>
+                        <a:latin typeface="Times New Roman" panose="02020603050405020304" pitchFamily="18" charset="0"/>
+                        <a:ea typeface="Times New Roman" panose="02020603050405020304" pitchFamily="18" charset="0"/>
+                      </a:endParaRPr>
+                    </a:p>
+                  </a:txBody>
+                  <a:tcPr marL="175263" marR="175263" marT="0" marB="0" anchor="b"/>
+                </a:tc>
+                <a:tc>
+                  <a:txBody>
+                    <a:bodyPr/>
+                    <a:lstStyle/>
+                    <a:p>
+                      <a:pPr marL="0" marR="0" algn="r">
+                        <a:spcBef>
+                          <a:spcPts val="0"/>
+                        </a:spcBef>
+                        <a:spcAft>
+                          <a:spcPts val="0"/>
+                        </a:spcAft>
+                      </a:pPr>
+                      <a:r>
+                        <a:rPr lang="en-US" sz="2300" dirty="0">
+                          <a:effectLst/>
+                        </a:rPr>
+                        <a:t>2015</a:t>
+                      </a:r>
+                      <a:endParaRPr lang="en-US" sz="3000" dirty="0">
+                        <a:effectLst/>
+                        <a:latin typeface="Times New Roman" panose="02020603050405020304" pitchFamily="18" charset="0"/>
+                        <a:ea typeface="Times New Roman" panose="02020603050405020304" pitchFamily="18" charset="0"/>
+                      </a:endParaRPr>
+                    </a:p>
+                  </a:txBody>
+                  <a:tcPr marL="175263" marR="175263" marT="0" marB="0" anchor="b"/>
+                </a:tc>
+                <a:tc>
+                  <a:txBody>
+                    <a:bodyPr/>
+                    <a:lstStyle/>
+                    <a:p>
+                      <a:pPr marL="0" marR="0" algn="r">
+                        <a:spcBef>
+                          <a:spcPts val="0"/>
+                        </a:spcBef>
+                        <a:spcAft>
+                          <a:spcPts val="0"/>
+                        </a:spcAft>
+                      </a:pPr>
+                      <a:r>
+                        <a:rPr lang="en-US" sz="2300">
+                          <a:effectLst/>
+                        </a:rPr>
+                        <a:t>2016</a:t>
+                      </a:r>
+                      <a:endParaRPr lang="en-US" sz="3000">
+                        <a:effectLst/>
+                        <a:latin typeface="Times New Roman" panose="02020603050405020304" pitchFamily="18" charset="0"/>
+                        <a:ea typeface="Times New Roman" panose="02020603050405020304" pitchFamily="18" charset="0"/>
+                      </a:endParaRPr>
+                    </a:p>
+                  </a:txBody>
+                  <a:tcPr marL="175263" marR="175263" marT="0" marB="0" anchor="b"/>
+                </a:tc>
+                <a:tc>
+                  <a:txBody>
+                    <a:bodyPr/>
+                    <a:lstStyle/>
+                    <a:p>
+                      <a:pPr marL="0" marR="0" algn="r">
+                        <a:spcBef>
+                          <a:spcPts val="0"/>
+                        </a:spcBef>
+                        <a:spcAft>
+                          <a:spcPts val="0"/>
+                        </a:spcAft>
+                      </a:pPr>
+                      <a:r>
+                        <a:rPr lang="en-US" sz="2300">
+                          <a:effectLst/>
+                        </a:rPr>
+                        <a:t>2017</a:t>
+                      </a:r>
+                      <a:endParaRPr lang="en-US" sz="3000">
+                        <a:effectLst/>
+                        <a:latin typeface="Times New Roman" panose="02020603050405020304" pitchFamily="18" charset="0"/>
+                        <a:ea typeface="Times New Roman" panose="02020603050405020304" pitchFamily="18" charset="0"/>
+                      </a:endParaRPr>
+                    </a:p>
+                  </a:txBody>
+                  <a:tcPr marL="175263" marR="175263" marT="0" marB="0" anchor="b"/>
+                </a:tc>
+                <a:tc>
+                  <a:txBody>
+                    <a:bodyPr/>
+                    <a:lstStyle/>
+                    <a:p>
+                      <a:pPr marL="0" marR="0" algn="r">
+                        <a:spcBef>
+                          <a:spcPts val="0"/>
+                        </a:spcBef>
+                        <a:spcAft>
+                          <a:spcPts val="0"/>
+                        </a:spcAft>
+                      </a:pPr>
+                      <a:r>
+                        <a:rPr lang="en-US" sz="2300">
+                          <a:effectLst/>
+                        </a:rPr>
+                        <a:t>2018</a:t>
+                      </a:r>
+                      <a:endParaRPr lang="en-US" sz="3000">
+                        <a:effectLst/>
+                        <a:latin typeface="Times New Roman" panose="02020603050405020304" pitchFamily="18" charset="0"/>
+                        <a:ea typeface="Times New Roman" panose="02020603050405020304" pitchFamily="18" charset="0"/>
+                      </a:endParaRPr>
+                    </a:p>
+                  </a:txBody>
+                  <a:tcPr marL="175263" marR="175263" marT="0" marB="0" anchor="b"/>
+                </a:tc>
+              </a:tr>
+              <a:tr h="426800">
+                <a:tc>
+                  <a:txBody>
+                    <a:bodyPr/>
+                    <a:lstStyle/>
+                    <a:p>
+                      <a:pPr marL="0" marR="0" algn="r">
+                        <a:spcBef>
+                          <a:spcPts val="0"/>
+                        </a:spcBef>
+                        <a:spcAft>
+                          <a:spcPts val="0"/>
+                        </a:spcAft>
+                      </a:pPr>
+                      <a:r>
+                        <a:rPr lang="en-US" sz="2300">
+                          <a:effectLst/>
+                        </a:rPr>
+                        <a:t>Proj. Rev. (in $1000)</a:t>
+                      </a:r>
+                      <a:endParaRPr lang="en-US" sz="3000">
+                        <a:effectLst/>
+                        <a:latin typeface="Times New Roman" panose="02020603050405020304" pitchFamily="18" charset="0"/>
+                        <a:ea typeface="Times New Roman" panose="02020603050405020304" pitchFamily="18" charset="0"/>
+                      </a:endParaRPr>
+                    </a:p>
+                  </a:txBody>
+                  <a:tcPr marL="175263" marR="175263" marT="0" marB="0"/>
+                </a:tc>
+                <a:tc>
+                  <a:txBody>
+                    <a:bodyPr/>
+                    <a:lstStyle/>
+                    <a:p>
+                      <a:pPr marL="0" marR="0" algn="r">
+                        <a:spcBef>
+                          <a:spcPts val="0"/>
+                        </a:spcBef>
+                        <a:spcAft>
+                          <a:spcPts val="0"/>
+                        </a:spcAft>
+                      </a:pPr>
+                      <a:r>
+                        <a:rPr lang="en-US" sz="2300">
+                          <a:effectLst/>
+                        </a:rPr>
+                        <a:t>62</a:t>
+                      </a:r>
+                      <a:endParaRPr lang="en-US" sz="3000">
+                        <a:effectLst/>
+                        <a:latin typeface="Times New Roman" panose="02020603050405020304" pitchFamily="18" charset="0"/>
+                        <a:ea typeface="Times New Roman" panose="02020603050405020304" pitchFamily="18" charset="0"/>
+                      </a:endParaRPr>
+                    </a:p>
+                  </a:txBody>
+                  <a:tcPr marL="175263" marR="175263" marT="0" marB="0" anchor="b"/>
+                </a:tc>
+                <a:tc>
+                  <a:txBody>
+                    <a:bodyPr/>
+                    <a:lstStyle/>
+                    <a:p>
+                      <a:pPr marL="0" marR="0" algn="r">
+                        <a:spcBef>
+                          <a:spcPts val="0"/>
+                        </a:spcBef>
+                        <a:spcAft>
+                          <a:spcPts val="0"/>
+                        </a:spcAft>
+                      </a:pPr>
+                      <a:r>
+                        <a:rPr lang="en-US" sz="2300" dirty="0">
+                          <a:effectLst/>
+                        </a:rPr>
+                        <a:t>249</a:t>
+                      </a:r>
+                      <a:endParaRPr lang="en-US" sz="3000" dirty="0">
+                        <a:effectLst/>
+                        <a:latin typeface="Times New Roman" panose="02020603050405020304" pitchFamily="18" charset="0"/>
+                        <a:ea typeface="Times New Roman" panose="02020603050405020304" pitchFamily="18" charset="0"/>
+                      </a:endParaRPr>
+                    </a:p>
+                  </a:txBody>
+                  <a:tcPr marL="175263" marR="175263" marT="0" marB="0" anchor="b"/>
+                </a:tc>
+                <a:tc>
+                  <a:txBody>
+                    <a:bodyPr/>
+                    <a:lstStyle/>
+                    <a:p>
+                      <a:pPr marL="0" marR="0" algn="r">
+                        <a:spcBef>
+                          <a:spcPts val="0"/>
+                        </a:spcBef>
+                        <a:spcAft>
+                          <a:spcPts val="0"/>
+                        </a:spcAft>
+                      </a:pPr>
+                      <a:r>
+                        <a:rPr lang="en-US" sz="2300">
+                          <a:effectLst/>
+                        </a:rPr>
+                        <a:t>1,220</a:t>
+                      </a:r>
+                      <a:endParaRPr lang="en-US" sz="3000">
+                        <a:effectLst/>
+                        <a:latin typeface="Times New Roman" panose="02020603050405020304" pitchFamily="18" charset="0"/>
+                        <a:ea typeface="Times New Roman" panose="02020603050405020304" pitchFamily="18" charset="0"/>
+                      </a:endParaRPr>
+                    </a:p>
+                  </a:txBody>
+                  <a:tcPr marL="175263" marR="175263" marT="0" marB="0" anchor="b"/>
+                </a:tc>
+                <a:tc>
+                  <a:txBody>
+                    <a:bodyPr/>
+                    <a:lstStyle/>
+                    <a:p>
+                      <a:pPr marL="0" marR="0" algn="r">
+                        <a:spcBef>
+                          <a:spcPts val="0"/>
+                        </a:spcBef>
+                        <a:spcAft>
+                          <a:spcPts val="0"/>
+                        </a:spcAft>
+                      </a:pPr>
+                      <a:r>
+                        <a:rPr lang="en-US" sz="2300">
+                          <a:effectLst/>
+                        </a:rPr>
+                        <a:t>5,006</a:t>
+                      </a:r>
+                      <a:endParaRPr lang="en-US" sz="3000">
+                        <a:effectLst/>
+                        <a:latin typeface="Times New Roman" panose="02020603050405020304" pitchFamily="18" charset="0"/>
+                        <a:ea typeface="Times New Roman" panose="02020603050405020304" pitchFamily="18" charset="0"/>
+                      </a:endParaRPr>
+                    </a:p>
+                  </a:txBody>
+                  <a:tcPr marL="175263" marR="175263" marT="0" marB="0" anchor="b"/>
+                </a:tc>
+                <a:tc>
+                  <a:txBody>
+                    <a:bodyPr/>
+                    <a:lstStyle/>
+                    <a:p>
+                      <a:pPr marL="0" marR="0" algn="r">
+                        <a:spcBef>
+                          <a:spcPts val="0"/>
+                        </a:spcBef>
+                        <a:spcAft>
+                          <a:spcPts val="0"/>
+                        </a:spcAft>
+                      </a:pPr>
+                      <a:r>
+                        <a:rPr lang="en-US" sz="2300" dirty="0">
+                          <a:effectLst/>
+                        </a:rPr>
+                        <a:t>19,757</a:t>
+                      </a:r>
+                      <a:endParaRPr lang="en-US" sz="3000" dirty="0">
+                        <a:effectLst/>
+                        <a:latin typeface="Times New Roman" panose="02020603050405020304" pitchFamily="18" charset="0"/>
+                        <a:ea typeface="Times New Roman" panose="02020603050405020304" pitchFamily="18" charset="0"/>
+                      </a:endParaRPr>
+                    </a:p>
+                  </a:txBody>
+                  <a:tcPr marL="175263" marR="175263" marT="0" marB="0" anchor="b"/>
+                </a:tc>
+              </a:tr>
+            </a:tbl>
+          </a:graphicData>
+        </a:graphic>
+      </p:graphicFrame>
     </p:spTree>
     <p:extLst>
       <p:ext uri="{BB962C8B-B14F-4D97-AF65-F5344CB8AC3E}">
@@ -4465,19 +5566,7 @@
               <a:rPr lang="en-US" sz="3600" dirty="0" smtClean="0">
                 <a:latin typeface="+mj-lt"/>
               </a:rPr>
-              <a:t> App </a:t>
-            </a:r>
-            <a:r>
-              <a:rPr lang="en-US" sz="3600" dirty="0" smtClean="0">
-                <a:latin typeface="+mj-lt"/>
-              </a:rPr>
-              <a:t>Stores are </a:t>
-            </a:r>
-            <a:r>
-              <a:rPr lang="en-US" sz="3600" dirty="0" smtClean="0">
-                <a:latin typeface="+mj-lt"/>
-              </a:rPr>
-              <a:t>broken</a:t>
+              <a:t> App Stores are broken</a:t>
             </a:r>
           </a:p>
           <a:p>
@@ -4529,19 +5618,7 @@
               <a:rPr lang="en-US" sz="3200" dirty="0" smtClean="0">
                 <a:latin typeface="+mj-lt"/>
               </a:rPr>
-              <a:t> Take </a:t>
-            </a:r>
-            <a:r>
-              <a:rPr lang="en-US" sz="3200" dirty="0" smtClean="0">
-                <a:latin typeface="+mj-lt"/>
-              </a:rPr>
-              <a:t>time to </a:t>
-            </a:r>
-            <a:r>
-              <a:rPr lang="en-US" sz="3200" dirty="0" smtClean="0">
-                <a:latin typeface="+mj-lt"/>
-              </a:rPr>
-              <a:t>on-board</a:t>
+              <a:t> Take time to on-board</a:t>
             </a:r>
           </a:p>
           <a:p>
@@ -4647,8 +5724,17 @@
               <a:rPr lang="en-US" sz="3600" dirty="0" smtClean="0">
                 <a:latin typeface="+mj-lt"/>
               </a:rPr>
-              <a:t> Facebook marketing: </a:t>
-            </a:r>
+              <a:t> Facebook </a:t>
+            </a:r>
+            <a:r>
+              <a:rPr lang="en-US" sz="3600" dirty="0" smtClean="0">
+                <a:latin typeface="+mj-lt"/>
+              </a:rPr>
+              <a:t>marketing for Apps: </a:t>
+            </a:r>
+            <a:endParaRPr lang="en-US" sz="3600" dirty="0" smtClean="0">
+              <a:latin typeface="+mj-lt"/>
+            </a:endParaRPr>
           </a:p>
           <a:p>
             <a:pPr lvl="1">
@@ -4660,19 +5746,7 @@
               <a:rPr lang="en-US" sz="3200" dirty="0" smtClean="0">
                 <a:latin typeface="+mj-lt"/>
               </a:rPr>
-              <a:t> Customer </a:t>
-            </a:r>
-            <a:r>
-              <a:rPr lang="en-US" sz="3200" dirty="0">
-                <a:latin typeface="+mj-lt"/>
-              </a:rPr>
-              <a:t>recommendations using the Graph </a:t>
-            </a:r>
-            <a:r>
-              <a:rPr lang="en-US" sz="3200" dirty="0" smtClean="0">
-                <a:latin typeface="+mj-lt"/>
-              </a:rPr>
-              <a:t>API</a:t>
+              <a:t> Customer recommendations using the Graph API</a:t>
             </a:r>
           </a:p>
           <a:p>
@@ -4700,9 +5774,6 @@
               </a:rPr>
               <a:t> Custom messages with friend tagging</a:t>
             </a:r>
-            <a:endParaRPr lang="en-US" sz="3200" dirty="0">
-              <a:latin typeface="+mj-lt"/>
-            </a:endParaRPr>
           </a:p>
           <a:p>
             <a:pPr>
@@ -4724,11 +5795,20 @@
               <a:buChar char="§"/>
             </a:pPr>
             <a:r>
+              <a:rPr lang="en-US" sz="3600" dirty="0">
+                <a:latin typeface="+mj-lt"/>
+              </a:rPr>
+              <a:t> </a:t>
+            </a:r>
+            <a:r>
               <a:rPr lang="en-US" sz="3600" dirty="0" smtClean="0">
                 <a:latin typeface="+mj-lt"/>
               </a:rPr>
-              <a:t> Low cost</a:t>
-            </a:r>
+              <a:t>Low cost per click</a:t>
+            </a:r>
+            <a:endParaRPr lang="en-US" sz="3600" dirty="0" smtClean="0">
+              <a:latin typeface="+mj-lt"/>
+            </a:endParaRPr>
           </a:p>
           <a:p>
             <a:pPr>
@@ -4767,6 +5847,30 @@
           </a:p>
         </p:txBody>
       </p:sp>
+      <p:pic>
+        <p:nvPicPr>
+          <p:cNvPr id="5" name="Picture 4"/>
+          <p:cNvPicPr>
+            <a:picLocks noChangeAspect="1"/>
+          </p:cNvPicPr>
+          <p:nvPr/>
+        </p:nvPicPr>
+        <p:blipFill>
+          <a:blip r:embed="rId3"/>
+          <a:stretch>
+            <a:fillRect/>
+          </a:stretch>
+        </p:blipFill>
+        <p:spPr>
+          <a:xfrm>
+            <a:off x="5140922" y="4147503"/>
+            <a:ext cx="4982247" cy="2029460"/>
+          </a:xfrm>
+          <a:prstGeom prst="rect">
+            <a:avLst/>
+          </a:prstGeom>
+        </p:spPr>
+      </p:pic>
     </p:spTree>
     <p:extLst>
       <p:ext uri="{BB962C8B-B14F-4D97-AF65-F5344CB8AC3E}">
@@ -4836,7 +5940,13 @@
               <a:rPr lang="en-US" sz="3600" dirty="0" smtClean="0">
                 <a:latin typeface="+mj-lt"/>
               </a:rPr>
-              <a:t>Instant marketing: no coding required</a:t>
+              <a:t>Instant-setup </a:t>
+            </a:r>
+            <a:r>
+              <a:rPr lang="en-US" sz="3600" dirty="0" smtClean="0">
+                <a:latin typeface="+mj-lt"/>
+              </a:rPr>
+              <a:t>marketing: no coding required</a:t>
             </a:r>
             <a:endParaRPr lang="en-US" sz="3600" dirty="0">
               <a:latin typeface="+mj-lt"/>
@@ -4913,7 +6023,6 @@
               <a:rPr lang="en-US" sz="4800" dirty="0"/>
               <a:t>What’s different?</a:t>
             </a:r>
-            <a:endParaRPr lang="en-US" sz="4800" dirty="0"/>
           </a:p>
         </p:txBody>
       </p:sp>
@@ -4975,6 +6084,60 @@
               <a:buFont typeface="Wingdings" panose="05000000000000000000" pitchFamily="2" charset="2"/>
               <a:buChar char="§"/>
             </a:pPr>
+            <a:r>
+              <a:rPr lang="en-US" sz="3600" dirty="0" smtClean="0">
+                <a:latin typeface="+mj-lt"/>
+              </a:rPr>
+              <a:t> Monthly </a:t>
+            </a:r>
+            <a:r>
+              <a:rPr lang="en-US" sz="3600" dirty="0">
+                <a:latin typeface="+mj-lt"/>
+              </a:rPr>
+              <a:t>subscription service based on number of active users</a:t>
+            </a:r>
+          </a:p>
+          <a:p>
+            <a:pPr>
+              <a:buFont typeface="Wingdings" panose="05000000000000000000" pitchFamily="2" charset="2"/>
+              <a:buChar char="§"/>
+            </a:pPr>
+            <a:r>
+              <a:rPr lang="en-US" sz="3600" dirty="0" smtClean="0">
+                <a:latin typeface="+mj-lt"/>
+              </a:rPr>
+              <a:t> Free </a:t>
+            </a:r>
+            <a:r>
+              <a:rPr lang="en-US" sz="3600" dirty="0">
+                <a:latin typeface="+mj-lt"/>
+              </a:rPr>
+              <a:t>45-day trial</a:t>
+            </a:r>
+          </a:p>
+          <a:p>
+            <a:pPr>
+              <a:buFont typeface="Wingdings" panose="05000000000000000000" pitchFamily="2" charset="2"/>
+              <a:buChar char="§"/>
+            </a:pPr>
+            <a:r>
+              <a:rPr lang="en-US" sz="3600" dirty="0" smtClean="0">
+                <a:latin typeface="+mj-lt"/>
+              </a:rPr>
+              <a:t> Plans </a:t>
+            </a:r>
+            <a:r>
+              <a:rPr lang="en-US" sz="3600" dirty="0">
+                <a:latin typeface="+mj-lt"/>
+              </a:rPr>
+              <a:t>at: $20, $80, $150 and </a:t>
+            </a:r>
+            <a:r>
+              <a:rPr lang="en-US" sz="3600" dirty="0" smtClean="0">
+                <a:latin typeface="+mj-lt"/>
+              </a:rPr>
+              <a:t>more</a:t>
+            </a:r>
             <a:endParaRPr lang="en-US" sz="3600" dirty="0">
               <a:latin typeface="+mj-lt"/>
             </a:endParaRPr>
@@ -4999,17 +6162,16 @@
           <a:lstStyle/>
           <a:p>
             <a:r>
-              <a:rPr lang="en-US" sz="4800" dirty="0" smtClean="0"/>
-              <a:t>Status and Timeline</a:t>
-            </a:r>
-            <a:endParaRPr lang="en-US" sz="4800" dirty="0"/>
+              <a:rPr lang="en-US" sz="4800" dirty="0"/>
+              <a:t>Business Model</a:t>
+            </a:r>
           </a:p>
         </p:txBody>
       </p:sp>
     </p:spTree>
     <p:extLst>
       <p:ext uri="{BB962C8B-B14F-4D97-AF65-F5344CB8AC3E}">
-        <p14:creationId xmlns:p14="http://schemas.microsoft.com/office/powerpoint/2010/main" val="3316054247"/>
+        <p14:creationId xmlns:p14="http://schemas.microsoft.com/office/powerpoint/2010/main" val="2850273779"/>
       </p:ext>
     </p:extLst>
   </p:cSld>
@@ -5043,14 +6205,369 @@
           <a:chExt cx="0" cy="0"/>
         </a:xfrm>
       </p:grpSpPr>
-      <p:sp>
-        <p:nvSpPr>
-          <p:cNvPr id="3" name="Content Placeholder 2"/>
-          <p:cNvSpPr>
-            <a:spLocks noGrp="1"/>
-          </p:cNvSpPr>
+      <p:graphicFrame>
+        <p:nvGraphicFramePr>
+          <p:cNvPr id="2" name="Content Placeholder 1"/>
+          <p:cNvGraphicFramePr>
+            <a:graphicFrameLocks noGrp="1"/>
+          </p:cNvGraphicFramePr>
           <p:nvPr>
             <p:ph idx="1"/>
+            <p:extLst>
+              <p:ext uri="{D42A27DB-BD31-4B8C-83A1-F6EECF244321}">
+                <p14:modId xmlns:p14="http://schemas.microsoft.com/office/powerpoint/2010/main" val="1895544694"/>
+              </p:ext>
+            </p:extLst>
+          </p:nvPr>
+        </p:nvGraphicFramePr>
+        <p:xfrm>
+          <a:off x="2667000" y="1996440"/>
+          <a:ext cx="8260080" cy="3749040"/>
+        </p:xfrm>
+        <a:graphic>
+          <a:graphicData uri="http://schemas.openxmlformats.org/drawingml/2006/table">
+            <a:tbl>
+              <a:tblPr firstRow="1" bandRow="1">
+                <a:tableStyleId>{68D230F3-CF80-4859-8CE7-A43EE81993B5}</a:tableStyleId>
+              </a:tblPr>
+              <a:tblGrid>
+                <a:gridCol w="4130040"/>
+                <a:gridCol w="4130040"/>
+              </a:tblGrid>
+              <a:tr h="370840">
+                <a:tc>
+                  <a:txBody>
+                    <a:bodyPr/>
+                    <a:lstStyle/>
+                    <a:p>
+                      <a:r>
+                        <a:rPr lang="en-US" sz="2400" b="0" dirty="0" smtClean="0">
+                          <a:latin typeface="+mj-lt"/>
+                        </a:rPr>
+                        <a:t>11/2012</a:t>
+                      </a:r>
+                      <a:endParaRPr lang="en-US" sz="2400" b="0" dirty="0">
+                        <a:latin typeface="+mj-lt"/>
+                      </a:endParaRPr>
+                    </a:p>
+                  </a:txBody>
+                  <a:tcPr>
+                    <a:lnL>
+                      <a:noFill/>
+                    </a:lnL>
+                    <a:lnR>
+                      <a:noFill/>
+                    </a:lnR>
+                    <a:lnT w="12700" cmpd="sng">
+                      <a:noFill/>
+                    </a:lnT>
+                    <a:lnB w="12700" cmpd="sng">
+                      <a:noFill/>
+                    </a:lnB>
+                    <a:lnTlToBr w="12700" cmpd="sng">
+                      <a:noFill/>
+                      <a:prstDash val="solid"/>
+                    </a:lnTlToBr>
+                    <a:lnBlToTr w="12700" cmpd="sng">
+                      <a:noFill/>
+                      <a:prstDash val="solid"/>
+                    </a:lnBlToTr>
+                  </a:tcPr>
+                </a:tc>
+                <a:tc>
+                  <a:txBody>
+                    <a:bodyPr/>
+                    <a:lstStyle/>
+                    <a:p>
+                      <a:r>
+                        <a:rPr lang="en-US" sz="2400" b="0" dirty="0" smtClean="0">
+                          <a:latin typeface="+mj-lt"/>
+                        </a:rPr>
+                        <a:t>Start</a:t>
+                      </a:r>
+                      <a:endParaRPr lang="en-US" sz="2400" b="0" dirty="0">
+                        <a:latin typeface="+mj-lt"/>
+                      </a:endParaRPr>
+                    </a:p>
+                  </a:txBody>
+                  <a:tcPr>
+                    <a:lnL>
+                      <a:noFill/>
+                    </a:lnL>
+                    <a:lnR>
+                      <a:noFill/>
+                    </a:lnR>
+                    <a:lnT w="12700" cmpd="sng">
+                      <a:noFill/>
+                    </a:lnT>
+                    <a:lnB w="12700" cmpd="sng">
+                      <a:noFill/>
+                    </a:lnB>
+                    <a:lnTlToBr w="12700" cmpd="sng">
+                      <a:noFill/>
+                      <a:prstDash val="solid"/>
+                    </a:lnTlToBr>
+                    <a:lnBlToTr w="12700" cmpd="sng">
+                      <a:noFill/>
+                      <a:prstDash val="solid"/>
+                    </a:lnBlToTr>
+                  </a:tcPr>
+                </a:tc>
+              </a:tr>
+              <a:tr h="370840">
+                <a:tc>
+                  <a:txBody>
+                    <a:bodyPr/>
+                    <a:lstStyle/>
+                    <a:p>
+                      <a:r>
+                        <a:rPr lang="en-US" sz="2400" dirty="0" smtClean="0">
+                          <a:latin typeface="+mj-lt"/>
+                        </a:rPr>
+                        <a:t>01/2013</a:t>
+                      </a:r>
+                      <a:endParaRPr lang="en-US" sz="2400" dirty="0">
+                        <a:latin typeface="+mj-lt"/>
+                      </a:endParaRPr>
+                    </a:p>
+                  </a:txBody>
+                  <a:tcPr>
+                    <a:lnT w="12700" cmpd="sng">
+                      <a:noFill/>
+                    </a:lnT>
+                  </a:tcPr>
+                </a:tc>
+                <a:tc>
+                  <a:txBody>
+                    <a:bodyPr/>
+                    <a:lstStyle/>
+                    <a:p>
+                      <a:r>
+                        <a:rPr lang="en-US" sz="2400" dirty="0" smtClean="0">
+                          <a:latin typeface="+mj-lt"/>
+                        </a:rPr>
+                        <a:t>Release</a:t>
+                      </a:r>
+                      <a:r>
+                        <a:rPr lang="en-US" sz="2400" baseline="0" dirty="0" smtClean="0">
+                          <a:latin typeface="+mj-lt"/>
+                        </a:rPr>
+                        <a:t> working prototype within Blu Graphing Calculator</a:t>
+                      </a:r>
+                      <a:endParaRPr lang="en-US" sz="2400" dirty="0">
+                        <a:latin typeface="+mj-lt"/>
+                      </a:endParaRPr>
+                    </a:p>
+                  </a:txBody>
+                  <a:tcPr>
+                    <a:lnT w="12700" cmpd="sng">
+                      <a:noFill/>
+                    </a:lnT>
+                  </a:tcPr>
+                </a:tc>
+              </a:tr>
+              <a:tr h="370840">
+                <a:tc>
+                  <a:txBody>
+                    <a:bodyPr/>
+                    <a:lstStyle/>
+                    <a:p>
+                      <a:pPr rtl="0"/>
+                      <a:r>
+                        <a:rPr lang="en-US" sz="2400" b="1" dirty="0" smtClean="0">
+                          <a:latin typeface="+mj-lt"/>
+                        </a:rPr>
+                        <a:t>03/2013</a:t>
+                      </a:r>
+                      <a:endParaRPr lang="en-US" sz="2400" b="1" dirty="0">
+                        <a:latin typeface="+mj-lt"/>
+                      </a:endParaRPr>
+                    </a:p>
+                  </a:txBody>
+                  <a:tcPr/>
+                </a:tc>
+                <a:tc>
+                  <a:txBody>
+                    <a:bodyPr/>
+                    <a:lstStyle/>
+                    <a:p>
+                      <a:pPr rtl="0"/>
+                      <a:r>
+                        <a:rPr lang="en-US" sz="2400" b="1" dirty="0" smtClean="0">
+                          <a:latin typeface="+mj-lt"/>
+                        </a:rPr>
+                        <a:t>Release</a:t>
+                      </a:r>
+                      <a:r>
+                        <a:rPr lang="en-US" sz="2400" b="1" baseline="0" dirty="0" smtClean="0">
+                          <a:latin typeface="+mj-lt"/>
+                        </a:rPr>
+                        <a:t> private beta to limited number of developers</a:t>
+                      </a:r>
+                      <a:endParaRPr lang="en-US" sz="2400" b="1" dirty="0">
+                        <a:latin typeface="+mj-lt"/>
+                      </a:endParaRPr>
+                    </a:p>
+                  </a:txBody>
+                  <a:tcPr/>
+                </a:tc>
+              </a:tr>
+              <a:tr h="370840">
+                <a:tc>
+                  <a:txBody>
+                    <a:bodyPr/>
+                    <a:lstStyle/>
+                    <a:p>
+                      <a:r>
+                        <a:rPr lang="en-US" sz="2400" dirty="0" smtClean="0">
+                          <a:latin typeface="+mj-lt"/>
+                        </a:rPr>
+                        <a:t>05/2013</a:t>
+                      </a:r>
+                      <a:endParaRPr lang="en-US" sz="2400" dirty="0">
+                        <a:latin typeface="+mj-lt"/>
+                      </a:endParaRPr>
+                    </a:p>
+                  </a:txBody>
+                  <a:tcPr>
+                    <a:lnB>
+                      <a:noFill/>
+                    </a:lnB>
+                  </a:tcPr>
+                </a:tc>
+                <a:tc>
+                  <a:txBody>
+                    <a:bodyPr/>
+                    <a:lstStyle/>
+                    <a:p>
+                      <a:r>
+                        <a:rPr lang="en-US" sz="2400" dirty="0" smtClean="0">
+                          <a:latin typeface="+mj-lt"/>
+                        </a:rPr>
+                        <a:t>Release publically</a:t>
+                      </a:r>
+                      <a:r>
+                        <a:rPr lang="en-US" sz="2400" baseline="0" dirty="0" smtClean="0">
+                          <a:latin typeface="+mj-lt"/>
+                        </a:rPr>
+                        <a:t> with payment system</a:t>
+                      </a:r>
+                      <a:endParaRPr lang="en-US" sz="2400" dirty="0">
+                        <a:latin typeface="+mj-lt"/>
+                      </a:endParaRPr>
+                    </a:p>
+                  </a:txBody>
+                  <a:tcPr>
+                    <a:lnB>
+                      <a:noFill/>
+                    </a:lnB>
+                  </a:tcPr>
+                </a:tc>
+              </a:tr>
+              <a:tr h="370840">
+                <a:tc>
+                  <a:txBody>
+                    <a:bodyPr/>
+                    <a:lstStyle/>
+                    <a:p>
+                      <a:r>
+                        <a:rPr lang="en-US" sz="2400" dirty="0" smtClean="0">
+                          <a:latin typeface="+mj-lt"/>
+                        </a:rPr>
+                        <a:t>06/2013</a:t>
+                      </a:r>
+                      <a:endParaRPr lang="en-US" sz="2400" dirty="0">
+                        <a:latin typeface="+mj-lt"/>
+                      </a:endParaRPr>
+                    </a:p>
+                  </a:txBody>
+                  <a:tcPr>
+                    <a:lnL>
+                      <a:noFill/>
+                    </a:lnL>
+                    <a:lnR>
+                      <a:noFill/>
+                    </a:lnR>
+                    <a:lnT>
+                      <a:noFill/>
+                    </a:lnT>
+                    <a:lnB w="12700" cmpd="sng">
+                      <a:noFill/>
+                    </a:lnB>
+                    <a:lnTlToBr w="12700" cmpd="sng">
+                      <a:noFill/>
+                      <a:prstDash val="solid"/>
+                    </a:lnTlToBr>
+                    <a:lnBlToTr w="12700" cmpd="sng">
+                      <a:noFill/>
+                      <a:prstDash val="solid"/>
+                    </a:lnBlToTr>
+                  </a:tcPr>
+                </a:tc>
+                <a:tc>
+                  <a:txBody>
+                    <a:bodyPr/>
+                    <a:lstStyle/>
+                    <a:p>
+                      <a:r>
+                        <a:rPr lang="en-US" sz="2400" dirty="0" smtClean="0">
+                          <a:latin typeface="+mj-lt"/>
+                        </a:rPr>
+                        <a:t>Release private beta of </a:t>
+                      </a:r>
+                      <a:r>
+                        <a:rPr lang="en-US" sz="2400" dirty="0" err="1" smtClean="0">
+                          <a:latin typeface="+mj-lt"/>
+                        </a:rPr>
+                        <a:t>iOS</a:t>
+                      </a:r>
+                      <a:r>
+                        <a:rPr lang="en-US" sz="2400" dirty="0" smtClean="0">
+                          <a:latin typeface="+mj-lt"/>
+                        </a:rPr>
+                        <a:t> client</a:t>
+                      </a:r>
+                      <a:endParaRPr lang="en-US" sz="2400" dirty="0">
+                        <a:latin typeface="+mj-lt"/>
+                      </a:endParaRPr>
+                    </a:p>
+                  </a:txBody>
+                  <a:tcPr>
+                    <a:lnL>
+                      <a:noFill/>
+                    </a:lnL>
+                    <a:lnR>
+                      <a:noFill/>
+                    </a:lnR>
+                    <a:lnT>
+                      <a:noFill/>
+                    </a:lnT>
+                    <a:lnB w="12700" cmpd="sng">
+                      <a:noFill/>
+                    </a:lnB>
+                    <a:lnTlToBr w="12700" cmpd="sng">
+                      <a:noFill/>
+                      <a:prstDash val="solid"/>
+                    </a:lnTlToBr>
+                    <a:lnBlToTr w="12700" cmpd="sng">
+                      <a:noFill/>
+                      <a:prstDash val="solid"/>
+                    </a:lnBlToTr>
+                  </a:tcPr>
+                </a:tc>
+              </a:tr>
+            </a:tbl>
+          </a:graphicData>
+        </a:graphic>
+      </p:graphicFrame>
+      <p:sp>
+        <p:nvSpPr>
+          <p:cNvPr id="4" name="Title 3"/>
+          <p:cNvSpPr>
+            <a:spLocks noGrp="1"/>
+          </p:cNvSpPr>
+          <p:nvPr>
+            <p:ph type="title"/>
           </p:nvPr>
         </p:nvSpPr>
         <p:spPr/>
@@ -5060,144 +6577,103 @@
           </a:bodyPr>
           <a:lstStyle/>
           <a:p>
-            <a:pPr>
-              <a:buFont typeface="Wingdings" panose="05000000000000000000" pitchFamily="2" charset="2"/>
-              <a:buChar char="§"/>
-            </a:pPr>
-            <a:r>
-              <a:rPr lang="en-US" sz="3600" dirty="0">
-                <a:latin typeface="+mj-lt"/>
-              </a:rPr>
-              <a:t>Monthly subscription service based on number of active users</a:t>
-            </a:r>
-          </a:p>
-          <a:p>
-            <a:pPr>
-              <a:buFont typeface="Wingdings" panose="05000000000000000000" pitchFamily="2" charset="2"/>
-              <a:buChar char="§"/>
-            </a:pPr>
-            <a:r>
-              <a:rPr lang="en-US" sz="3600" dirty="0">
-                <a:latin typeface="+mj-lt"/>
-              </a:rPr>
-              <a:t>Free 45-day trial</a:t>
-            </a:r>
-          </a:p>
-          <a:p>
-            <a:pPr>
-              <a:buFont typeface="Wingdings" panose="05000000000000000000" pitchFamily="2" charset="2"/>
-              <a:buChar char="§"/>
-            </a:pPr>
-            <a:r>
-              <a:rPr lang="en-US" sz="3600" dirty="0">
-                <a:latin typeface="+mj-lt"/>
-              </a:rPr>
-              <a:t>Plans at: $20, $80, $150 and more</a:t>
-            </a:r>
-          </a:p>
-          <a:p>
-            <a:pPr>
-              <a:buFont typeface="Wingdings" panose="05000000000000000000" pitchFamily="2" charset="2"/>
-              <a:buChar char="§"/>
-            </a:pPr>
-            <a:r>
-              <a:rPr lang="en-US" sz="3600" dirty="0">
-                <a:latin typeface="+mj-lt"/>
-              </a:rPr>
-              <a:t>Free until May 2013</a:t>
-            </a:r>
-          </a:p>
-          <a:p>
-            <a:pPr>
-              <a:buFont typeface="Wingdings" panose="05000000000000000000" pitchFamily="2" charset="2"/>
-              <a:buChar char="§"/>
-            </a:pPr>
-            <a:r>
-              <a:rPr lang="en-US" sz="3600" dirty="0">
-                <a:latin typeface="+mj-lt"/>
-              </a:rPr>
-              <a:t>Pricing is modeled after many existing B2D solutions (</a:t>
-            </a:r>
-            <a:r>
-              <a:rPr lang="en-US" sz="3600" dirty="0" err="1">
-                <a:latin typeface="+mj-lt"/>
-              </a:rPr>
-              <a:t>MixPanel</a:t>
-            </a:r>
-            <a:r>
-              <a:rPr lang="en-US" sz="3600" dirty="0">
-                <a:latin typeface="+mj-lt"/>
-              </a:rPr>
-              <a:t>, </a:t>
-            </a:r>
-            <a:r>
-              <a:rPr lang="en-US" sz="3600" dirty="0" err="1">
-                <a:latin typeface="+mj-lt"/>
-              </a:rPr>
-              <a:t>Optimizely</a:t>
-            </a:r>
-            <a:r>
-              <a:rPr lang="en-US" sz="3600" dirty="0">
-                <a:latin typeface="+mj-lt"/>
-              </a:rPr>
-              <a:t>, </a:t>
-            </a:r>
-            <a:r>
-              <a:rPr lang="en-US" sz="3600" dirty="0" err="1">
-                <a:latin typeface="+mj-lt"/>
-              </a:rPr>
-              <a:t>Rollbar</a:t>
-            </a:r>
-            <a:r>
-              <a:rPr lang="en-US" sz="3600" dirty="0">
-                <a:latin typeface="+mj-lt"/>
-              </a:rPr>
-              <a:t>, </a:t>
-            </a:r>
-            <a:r>
-              <a:rPr lang="en-US" sz="3600" dirty="0" err="1">
-                <a:latin typeface="+mj-lt"/>
-              </a:rPr>
-              <a:t>Olark</a:t>
-            </a:r>
-            <a:r>
-              <a:rPr lang="en-US" sz="3600" dirty="0">
-                <a:latin typeface="+mj-lt"/>
-              </a:rPr>
-              <a:t>)</a:t>
-            </a:r>
-          </a:p>
-        </p:txBody>
-      </p:sp>
-      <p:sp>
-        <p:nvSpPr>
-          <p:cNvPr id="4" name="Title 3"/>
-          <p:cNvSpPr>
-            <a:spLocks noGrp="1"/>
-          </p:cNvSpPr>
-          <p:nvPr>
-            <p:ph type="title"/>
-          </p:nvPr>
-        </p:nvSpPr>
-        <p:spPr/>
-        <p:txBody>
-          <a:bodyPr>
-            <a:normAutofit/>
-          </a:bodyPr>
-          <a:lstStyle/>
-          <a:p>
-            <a:r>
-              <a:rPr lang="en-US" sz="4800" dirty="0"/>
-              <a:t>Business Model</a:t>
+            <a:r>
+              <a:rPr lang="en-US" sz="4800" dirty="0" smtClean="0"/>
+              <a:t>Status and Timeline</a:t>
             </a:r>
             <a:endParaRPr lang="en-US" sz="4800" dirty="0"/>
+          </a:p>
+        </p:txBody>
+      </p:sp>
+      <p:cxnSp>
+        <p:nvCxnSpPr>
+          <p:cNvPr id="6" name="Straight Arrow Connector 5"/>
+          <p:cNvCxnSpPr>
+            <a:stCxn id="8" idx="6"/>
+          </p:cNvCxnSpPr>
+          <p:nvPr/>
+        </p:nvCxnSpPr>
+        <p:spPr>
+          <a:xfrm>
+            <a:off x="1722120" y="3703320"/>
+            <a:ext cx="960755" cy="15012"/>
+          </a:xfrm>
+          <a:prstGeom prst="straightConnector1">
+            <a:avLst/>
+          </a:prstGeom>
+          <a:ln>
+            <a:tailEnd type="triangle"/>
+          </a:ln>
+        </p:spPr>
+        <p:style>
+          <a:lnRef idx="3">
+            <a:schemeClr val="accent6"/>
+          </a:lnRef>
+          <a:fillRef idx="0">
+            <a:schemeClr val="accent6"/>
+          </a:fillRef>
+          <a:effectRef idx="2">
+            <a:schemeClr val="accent6"/>
+          </a:effectRef>
+          <a:fontRef idx="minor">
+            <a:schemeClr val="tx1"/>
+          </a:fontRef>
+        </p:style>
+      </p:cxnSp>
+      <p:sp>
+        <p:nvSpPr>
+          <p:cNvPr id="8" name="Oval 7"/>
+          <p:cNvSpPr/>
+          <p:nvPr/>
+        </p:nvSpPr>
+        <p:spPr>
+          <a:xfrm>
+            <a:off x="472440" y="3078480"/>
+            <a:ext cx="1249680" cy="1249680"/>
+          </a:xfrm>
+          <a:prstGeom prst="ellipse">
+            <a:avLst/>
+          </a:prstGeom>
+        </p:spPr>
+        <p:style>
+          <a:lnRef idx="1">
+            <a:schemeClr val="accent6"/>
+          </a:lnRef>
+          <a:fillRef idx="2">
+            <a:schemeClr val="accent6"/>
+          </a:fillRef>
+          <a:effectRef idx="1">
+            <a:schemeClr val="accent6"/>
+          </a:effectRef>
+          <a:fontRef idx="minor">
+            <a:schemeClr val="dk1"/>
+          </a:fontRef>
+        </p:style>
+        <p:txBody>
+          <a:bodyPr rtlCol="0" anchor="ctr"/>
+          <a:lstStyle/>
+          <a:p>
+            <a:pPr algn="ctr"/>
+            <a:r>
+              <a:rPr lang="en-US" dirty="0" smtClean="0">
+                <a:solidFill>
+                  <a:schemeClr val="bg1"/>
+                </a:solidFill>
+              </a:rPr>
+              <a:t>You are here</a:t>
+            </a:r>
+            <a:endParaRPr lang="en-US" dirty="0">
+              <a:solidFill>
+                <a:schemeClr val="bg1"/>
+              </a:solidFill>
+            </a:endParaRPr>
           </a:p>
         </p:txBody>
       </p:sp>
     </p:spTree>
     <p:extLst>
       <p:ext uri="{BB962C8B-B14F-4D97-AF65-F5344CB8AC3E}">
-        <p14:creationId xmlns:p14="http://schemas.microsoft.com/office/powerpoint/2010/main" val="2850273779"/>
+        <p14:creationId xmlns:p14="http://schemas.microsoft.com/office/powerpoint/2010/main" val="3316054247"/>
       </p:ext>
     </p:extLst>
   </p:cSld>
@@ -5252,6 +6728,87 @@
               <a:buFont typeface="Wingdings" panose="05000000000000000000" pitchFamily="2" charset="2"/>
               <a:buChar char="§"/>
             </a:pPr>
+            <a:r>
+              <a:rPr lang="en-US" sz="3600" dirty="0" smtClean="0">
+                <a:latin typeface="+mj-lt"/>
+              </a:rPr>
+              <a:t> Very early customers are lined up</a:t>
+            </a:r>
+          </a:p>
+          <a:p>
+            <a:pPr>
+              <a:buFont typeface="Wingdings" panose="05000000000000000000" pitchFamily="2" charset="2"/>
+              <a:buChar char="§"/>
+            </a:pPr>
+            <a:r>
+              <a:rPr lang="en-US" sz="3600" dirty="0">
+                <a:latin typeface="+mj-lt"/>
+              </a:rPr>
+              <a:t> </a:t>
+            </a:r>
+            <a:r>
+              <a:rPr lang="en-US" sz="3600" dirty="0" smtClean="0">
+                <a:latin typeface="+mj-lt"/>
+              </a:rPr>
+              <a:t>Attend Windows 8 </a:t>
+            </a:r>
+            <a:r>
+              <a:rPr lang="en-US" sz="3600" dirty="0" err="1" smtClean="0">
+                <a:latin typeface="+mj-lt"/>
+              </a:rPr>
+              <a:t>Dev</a:t>
+            </a:r>
+            <a:r>
+              <a:rPr lang="en-US" sz="3600" dirty="0" smtClean="0">
+                <a:latin typeface="+mj-lt"/>
+              </a:rPr>
+              <a:t> </a:t>
+            </a:r>
+            <a:r>
+              <a:rPr lang="en-US" sz="3600" dirty="0" err="1" smtClean="0">
+                <a:latin typeface="+mj-lt"/>
+              </a:rPr>
+              <a:t>meetups</a:t>
+            </a:r>
+            <a:endParaRPr lang="en-US" sz="3600" dirty="0" smtClean="0">
+              <a:latin typeface="+mj-lt"/>
+            </a:endParaRPr>
+          </a:p>
+          <a:p>
+            <a:pPr>
+              <a:buFont typeface="Wingdings" panose="05000000000000000000" pitchFamily="2" charset="2"/>
+              <a:buChar char="§"/>
+            </a:pPr>
+            <a:r>
+              <a:rPr lang="en-US" sz="3600" dirty="0">
+                <a:latin typeface="+mj-lt"/>
+              </a:rPr>
+              <a:t> </a:t>
+            </a:r>
+            <a:r>
+              <a:rPr lang="en-US" sz="3600" dirty="0" smtClean="0">
+                <a:latin typeface="+mj-lt"/>
+              </a:rPr>
+              <a:t>Targeted email marketing</a:t>
+            </a:r>
+          </a:p>
+          <a:p>
+            <a:pPr>
+              <a:buFont typeface="Wingdings" panose="05000000000000000000" pitchFamily="2" charset="2"/>
+              <a:buChar char="§"/>
+            </a:pPr>
+            <a:r>
+              <a:rPr lang="en-US" sz="3600" dirty="0">
+                <a:latin typeface="+mj-lt"/>
+              </a:rPr>
+              <a:t> </a:t>
+            </a:r>
+            <a:r>
+              <a:rPr lang="en-US" sz="3600" dirty="0" smtClean="0">
+                <a:latin typeface="+mj-lt"/>
+              </a:rPr>
+              <a:t>Online advertising</a:t>
+            </a:r>
             <a:endParaRPr lang="en-US" sz="3600" dirty="0">
               <a:latin typeface="+mj-lt"/>
             </a:endParaRPr>
@@ -5341,7 +6898,136 @@
               <a:buFont typeface="Wingdings" panose="05000000000000000000" pitchFamily="2" charset="2"/>
               <a:buChar char="§"/>
             </a:pPr>
-            <a:endParaRPr lang="en-US" sz="3600" dirty="0">
+            <a:r>
+              <a:rPr lang="en-US" sz="3600" dirty="0" smtClean="0">
+                <a:latin typeface="+mj-lt"/>
+              </a:rPr>
+              <a:t> Full marketing solutions</a:t>
+            </a:r>
+          </a:p>
+          <a:p>
+            <a:pPr lvl="1">
+              <a:buFont typeface="Wingdings" panose="05000000000000000000" pitchFamily="2" charset="2"/>
+              <a:buChar char="§"/>
+            </a:pPr>
+            <a:r>
+              <a:rPr lang="en-US" sz="3200" dirty="0" smtClean="0">
+                <a:latin typeface="+mj-lt"/>
+              </a:rPr>
+              <a:t> </a:t>
+            </a:r>
+            <a:r>
+              <a:rPr lang="en-US" sz="3200" dirty="0" err="1" smtClean="0">
+                <a:latin typeface="+mj-lt"/>
+              </a:rPr>
+              <a:t>Fiksu</a:t>
+            </a:r>
+            <a:r>
+              <a:rPr lang="en-US" sz="3200" dirty="0" smtClean="0">
+                <a:latin typeface="+mj-lt"/>
+              </a:rPr>
+              <a:t> and </a:t>
+            </a:r>
+            <a:r>
+              <a:rPr lang="en-US" sz="3200" dirty="0" err="1" smtClean="0">
+                <a:latin typeface="+mj-lt"/>
+              </a:rPr>
+              <a:t>TradeMob</a:t>
+            </a:r>
+            <a:endParaRPr lang="en-US" sz="3200" dirty="0" smtClean="0">
+              <a:latin typeface="+mj-lt"/>
+            </a:endParaRPr>
+          </a:p>
+          <a:p>
+            <a:pPr>
+              <a:buFont typeface="Wingdings" panose="05000000000000000000" pitchFamily="2" charset="2"/>
+              <a:buChar char="§"/>
+            </a:pPr>
+            <a:r>
+              <a:rPr lang="en-US" sz="3600" dirty="0">
+                <a:latin typeface="+mj-lt"/>
+              </a:rPr>
+              <a:t> </a:t>
+            </a:r>
+            <a:r>
+              <a:rPr lang="en-US" sz="3600" dirty="0" smtClean="0">
+                <a:latin typeface="+mj-lt"/>
+              </a:rPr>
+              <a:t>Do-it-yourself Online Ads</a:t>
+            </a:r>
+          </a:p>
+          <a:p>
+            <a:pPr lvl="1">
+              <a:buFont typeface="Wingdings" panose="05000000000000000000" pitchFamily="2" charset="2"/>
+              <a:buChar char="§"/>
+            </a:pPr>
+            <a:r>
+              <a:rPr lang="en-US" sz="3200" dirty="0">
+                <a:latin typeface="+mj-lt"/>
+              </a:rPr>
+              <a:t> </a:t>
+            </a:r>
+            <a:r>
+              <a:rPr lang="en-US" sz="3200" dirty="0" smtClean="0">
+                <a:latin typeface="+mj-lt"/>
+              </a:rPr>
+              <a:t>Google and Facebook ads</a:t>
+            </a:r>
+          </a:p>
+          <a:p>
+            <a:pPr>
+              <a:buFont typeface="Wingdings" panose="05000000000000000000" pitchFamily="2" charset="2"/>
+              <a:buChar char="§"/>
+            </a:pPr>
+            <a:r>
+              <a:rPr lang="en-US" sz="3600" dirty="0">
+                <a:latin typeface="+mj-lt"/>
+              </a:rPr>
+              <a:t> </a:t>
+            </a:r>
+            <a:r>
+              <a:rPr lang="en-US" sz="3600" dirty="0" smtClean="0">
+                <a:latin typeface="+mj-lt"/>
+              </a:rPr>
+              <a:t>Different ideas</a:t>
+            </a:r>
+          </a:p>
+          <a:p>
+            <a:pPr lvl="1">
+              <a:buFont typeface="Wingdings" panose="05000000000000000000" pitchFamily="2" charset="2"/>
+              <a:buChar char="§"/>
+            </a:pPr>
+            <a:r>
+              <a:rPr lang="en-US" sz="3200" dirty="0">
+                <a:latin typeface="+mj-lt"/>
+              </a:rPr>
+              <a:t> </a:t>
+            </a:r>
+            <a:r>
+              <a:rPr lang="en-US" sz="3200" dirty="0" err="1" smtClean="0">
+                <a:latin typeface="+mj-lt"/>
+              </a:rPr>
+              <a:t>AppGratis</a:t>
+            </a:r>
+            <a:endParaRPr lang="en-US" sz="3200" dirty="0" smtClean="0">
+              <a:latin typeface="+mj-lt"/>
+            </a:endParaRPr>
+          </a:p>
+          <a:p>
+            <a:pPr lvl="1">
+              <a:buFont typeface="Wingdings" panose="05000000000000000000" pitchFamily="2" charset="2"/>
+              <a:buChar char="§"/>
+            </a:pPr>
+            <a:endParaRPr lang="en-US" sz="3200" dirty="0" smtClean="0">
+              <a:latin typeface="+mj-lt"/>
+            </a:endParaRPr>
+          </a:p>
+          <a:p>
+            <a:pPr lvl="1">
+              <a:buFont typeface="Wingdings" panose="05000000000000000000" pitchFamily="2" charset="2"/>
+              <a:buChar char="§"/>
+            </a:pPr>
+            <a:endParaRPr lang="en-US" sz="3200" dirty="0">
               <a:latin typeface="+mj-lt"/>
             </a:endParaRPr>
           </a:p>
@@ -5430,7 +7116,55 @@
               <a:buFont typeface="Wingdings" panose="05000000000000000000" pitchFamily="2" charset="2"/>
               <a:buChar char="§"/>
             </a:pPr>
-            <a:endParaRPr lang="en-US" sz="3600" dirty="0">
+            <a:r>
+              <a:rPr lang="en-US" sz="3600" dirty="0" smtClean="0">
+                <a:latin typeface="+mj-lt"/>
+              </a:rPr>
+              <a:t> Tarek Ayna, Founder and Developer</a:t>
+            </a:r>
+          </a:p>
+          <a:p>
+            <a:pPr lvl="1">
+              <a:buFont typeface="Wingdings" panose="05000000000000000000" pitchFamily="2" charset="2"/>
+              <a:buChar char="§"/>
+            </a:pPr>
+            <a:r>
+              <a:rPr lang="en-US" sz="3200" dirty="0" smtClean="0">
+                <a:latin typeface="+mj-lt"/>
+              </a:rPr>
+              <a:t> ex-Microsoft </a:t>
+            </a:r>
+          </a:p>
+          <a:p>
+            <a:pPr lvl="1">
+              <a:buFont typeface="Wingdings" panose="05000000000000000000" pitchFamily="2" charset="2"/>
+              <a:buChar char="§"/>
+            </a:pPr>
+            <a:r>
+              <a:rPr lang="en-US" sz="3200" dirty="0">
+                <a:latin typeface="+mj-lt"/>
+              </a:rPr>
+              <a:t> </a:t>
+            </a:r>
+            <a:r>
+              <a:rPr lang="en-US" sz="3200" dirty="0" smtClean="0">
+                <a:latin typeface="+mj-lt"/>
+              </a:rPr>
+              <a:t>Windows 8 and Web developer</a:t>
+            </a:r>
+          </a:p>
+          <a:p>
+            <a:pPr lvl="2">
+              <a:buFont typeface="Wingdings" panose="05000000000000000000" pitchFamily="2" charset="2"/>
+              <a:buChar char="§"/>
+            </a:pPr>
+            <a:r>
+              <a:rPr lang="en-US" sz="2800" dirty="0" smtClean="0">
+                <a:latin typeface="+mj-lt"/>
+              </a:rPr>
+              <a:t> Blu Graphing Calculator</a:t>
+            </a:r>
+            <a:endParaRPr lang="en-US" sz="2800" dirty="0">
               <a:latin typeface="+mj-lt"/>
             </a:endParaRPr>
           </a:p>

--- a/Documents/Investors/NWEN-FirstLook-2013-03.pptx
+++ b/Documents/Investors/NWEN-FirstLook-2013-03.pptx
@@ -690,7 +690,6 @@
               <a:rPr lang="en-US" baseline="0" dirty="0" smtClean="0"/>
               <a:t> / click. </a:t>
             </a:r>
-            <a:endParaRPr lang="en-US" baseline="0" dirty="0" smtClean="0"/>
           </a:p>
           <a:p>
             <a:pPr marL="171450" indent="-171450">
@@ -808,18 +807,7 @@
                 <a:ea typeface="+mn-ea"/>
                 <a:cs typeface="+mn-cs"/>
               </a:rPr>
-              <a:t>In other platforms, every app has to optimize for </a:t>
-            </a:r>
-            <a:r>
-              <a:rPr lang="en-US" sz="3200" kern="1200" dirty="0" smtClean="0">
-                <a:solidFill>
-                  <a:schemeClr val="tx1"/>
-                </a:solidFill>
-                <a:latin typeface="+mn-lt"/>
-                <a:ea typeface="+mn-ea"/>
-                <a:cs typeface="+mn-cs"/>
-              </a:rPr>
-              <a:t>itself</a:t>
+              <a:t>In other platforms, every app has to optimize for itself</a:t>
             </a:r>
           </a:p>
           <a:p>
@@ -5724,17 +5712,8 @@
               <a:rPr lang="en-US" sz="3600" dirty="0" smtClean="0">
                 <a:latin typeface="+mj-lt"/>
               </a:rPr>
-              <a:t> Facebook </a:t>
-            </a:r>
-            <a:r>
-              <a:rPr lang="en-US" sz="3600" dirty="0" smtClean="0">
-                <a:latin typeface="+mj-lt"/>
-              </a:rPr>
-              <a:t>marketing for Apps: </a:t>
-            </a:r>
-            <a:endParaRPr lang="en-US" sz="3600" dirty="0" smtClean="0">
-              <a:latin typeface="+mj-lt"/>
-            </a:endParaRPr>
+              <a:t> Facebook marketing for Apps: </a:t>
+            </a:r>
           </a:p>
           <a:p>
             <a:pPr lvl="1">
@@ -5772,8 +5751,30 @@
               <a:rPr lang="en-US" sz="3200" dirty="0" smtClean="0">
                 <a:latin typeface="+mj-lt"/>
               </a:rPr>
-              <a:t> Custom messages with friend tagging</a:t>
-            </a:r>
+              <a:t> Custom messages with friend </a:t>
+            </a:r>
+            <a:r>
+              <a:rPr lang="en-US" sz="3200" dirty="0" smtClean="0">
+                <a:latin typeface="+mj-lt"/>
+              </a:rPr>
+              <a:t>tagging</a:t>
+            </a:r>
+          </a:p>
+          <a:p>
+            <a:pPr lvl="1">
+              <a:buSzPct val="80000"/>
+              <a:buFont typeface="Wingdings" panose="05000000000000000000" pitchFamily="2" charset="2"/>
+              <a:buChar char="§"/>
+            </a:pPr>
+            <a:r>
+              <a:rPr lang="en-US" sz="3200" dirty="0" smtClean="0">
+                <a:latin typeface="+mj-lt"/>
+              </a:rPr>
+              <a:t> Optional rewards</a:t>
+            </a:r>
+            <a:endParaRPr lang="en-US" sz="3200" dirty="0" smtClean="0">
+              <a:latin typeface="+mj-lt"/>
+            </a:endParaRPr>
           </a:p>
           <a:p>
             <a:pPr>
@@ -5806,9 +5807,6 @@
               </a:rPr>
               <a:t>Low cost per click</a:t>
             </a:r>
-            <a:endParaRPr lang="en-US" sz="3600" dirty="0" smtClean="0">
-              <a:latin typeface="+mj-lt"/>
-            </a:endParaRPr>
           </a:p>
           <a:p>
             <a:pPr>
@@ -5940,13 +5938,7 @@
               <a:rPr lang="en-US" sz="3600" dirty="0" smtClean="0">
                 <a:latin typeface="+mj-lt"/>
               </a:rPr>
-              <a:t>Instant-setup </a:t>
-            </a:r>
-            <a:r>
-              <a:rPr lang="en-US" sz="3600" dirty="0" smtClean="0">
-                <a:latin typeface="+mj-lt"/>
-              </a:rPr>
-              <a:t>marketing: no coding required</a:t>
+              <a:t>Instant-setup marketing: no coding required</a:t>
             </a:r>
             <a:endParaRPr lang="en-US" sz="3600" dirty="0">
               <a:latin typeface="+mj-lt"/>
